--- a/微信文档摘录.pptx
+++ b/微信文档摘录.pptx
@@ -17,6 +17,9 @@
     <p:sldId id="264" r:id="rId11"/>
     <p:sldId id="267" r:id="rId12"/>
     <p:sldId id="263" r:id="rId13"/>
+    <p:sldId id="268" r:id="rId14"/>
+    <p:sldId id="269" r:id="rId15"/>
+    <p:sldId id="270" r:id="rId16"/>
   </p:sldIdLst>
   <p:sldSz cx="12192000" cy="6858000"/>
   <p:notesSz cx="6858000" cy="9144000"/>
@@ -5345,10 +5348,3079 @@
           <a:chExt cx="0" cy="0"/>
         </a:xfrm>
       </p:grpSpPr>
+      <p:sp>
+        <p:nvSpPr>
+          <p:cNvPr id="2" name="矩形 1"/>
+          <p:cNvSpPr/>
+          <p:nvPr/>
+        </p:nvSpPr>
+        <p:spPr>
+          <a:xfrm>
+            <a:off x="133081" y="155713"/>
+            <a:ext cx="11766998" cy="6013268"/>
+          </a:xfrm>
+          <a:prstGeom prst="rect">
+            <a:avLst/>
+          </a:prstGeom>
+        </p:spPr>
+        <p:txBody>
+          <a:bodyPr wrap="square">
+            <a:spAutoFit/>
+          </a:bodyPr>
+          <a:lstStyle/>
+          <a:p>
+            <a:pPr algn="just"/>
+            <a:r>
+              <a:rPr lang="zh-CN" altLang="en-US" sz="1600" dirty="0">
+                <a:solidFill>
+                  <a:srgbClr val="333333"/>
+                </a:solidFill>
+                <a:latin typeface="+mn-ea"/>
+              </a:rPr>
+              <a:t>众所周知，</a:t>
+            </a:r>
+            <a:r>
+              <a:rPr lang="en-US" altLang="zh-CN" sz="1600" dirty="0" err="1">
+                <a:solidFill>
+                  <a:srgbClr val="333333"/>
+                </a:solidFill>
+                <a:latin typeface="+mn-ea"/>
+              </a:rPr>
+              <a:t>Kubernetes</a:t>
+            </a:r>
+            <a:r>
+              <a:rPr lang="en-US" altLang="zh-CN" sz="1600" dirty="0">
+                <a:solidFill>
+                  <a:srgbClr val="333333"/>
+                </a:solidFill>
+                <a:latin typeface="+mn-ea"/>
+              </a:rPr>
+              <a:t> </a:t>
+            </a:r>
+            <a:r>
+              <a:rPr lang="zh-CN" altLang="en-US" sz="1600" dirty="0">
+                <a:solidFill>
+                  <a:srgbClr val="333333"/>
+                </a:solidFill>
+                <a:latin typeface="+mn-ea"/>
+              </a:rPr>
+              <a:t>单个 </a:t>
+            </a:r>
+            <a:r>
+              <a:rPr lang="en-US" altLang="zh-CN" sz="1600" dirty="0">
+                <a:solidFill>
+                  <a:srgbClr val="333333"/>
+                </a:solidFill>
+                <a:latin typeface="+mn-ea"/>
+              </a:rPr>
+              <a:t>Pod </a:t>
+            </a:r>
+            <a:r>
+              <a:rPr lang="zh-CN" altLang="en-US" sz="1600" dirty="0">
+                <a:solidFill>
+                  <a:srgbClr val="333333"/>
+                </a:solidFill>
+                <a:latin typeface="+mn-ea"/>
+              </a:rPr>
+              <a:t>内是共享 </a:t>
+            </a:r>
+            <a:r>
+              <a:rPr lang="en-US" altLang="zh-CN" sz="1600" dirty="0">
+                <a:solidFill>
+                  <a:srgbClr val="333333"/>
+                </a:solidFill>
+                <a:latin typeface="+mn-ea"/>
+              </a:rPr>
+              <a:t>IPC </a:t>
+            </a:r>
+            <a:r>
+              <a:rPr lang="zh-CN" altLang="en-US" sz="1600" dirty="0">
+                <a:solidFill>
+                  <a:srgbClr val="333333"/>
+                </a:solidFill>
+                <a:latin typeface="+mn-ea"/>
+              </a:rPr>
+              <a:t>的，并且它们可以通过挂载 </a:t>
+            </a:r>
+            <a:r>
+              <a:rPr lang="en-US" altLang="zh-CN" sz="1600" dirty="0">
+                <a:solidFill>
+                  <a:srgbClr val="333333"/>
+                </a:solidFill>
+                <a:latin typeface="+mn-ea"/>
+              </a:rPr>
+              <a:t>Medium</a:t>
+            </a:r>
+            <a:r>
+              <a:rPr lang="zh-CN" altLang="en-US" sz="1600" dirty="0">
+                <a:solidFill>
+                  <a:srgbClr val="333333"/>
+                </a:solidFill>
+                <a:latin typeface="+mn-ea"/>
+              </a:rPr>
+              <a:t>，与 </a:t>
+            </a:r>
+            <a:r>
+              <a:rPr lang="en-US" altLang="zh-CN" sz="1600" dirty="0">
+                <a:solidFill>
+                  <a:srgbClr val="333333"/>
+                </a:solidFill>
+                <a:latin typeface="+mn-ea"/>
+              </a:rPr>
+              <a:t>Memory </a:t>
+            </a:r>
+            <a:r>
+              <a:rPr lang="zh-CN" altLang="en-US" sz="1600" dirty="0">
+                <a:solidFill>
+                  <a:srgbClr val="333333"/>
+                </a:solidFill>
+                <a:latin typeface="+mn-ea"/>
+              </a:rPr>
+              <a:t>中的 </a:t>
+            </a:r>
+            <a:r>
+              <a:rPr lang="en-US" altLang="zh-CN" sz="1600" dirty="0" err="1">
+                <a:solidFill>
+                  <a:srgbClr val="333333"/>
+                </a:solidFill>
+                <a:latin typeface="+mn-ea"/>
+              </a:rPr>
+              <a:t>EmptyDir</a:t>
+            </a:r>
+            <a:r>
+              <a:rPr lang="en-US" altLang="zh-CN" sz="1600" dirty="0">
+                <a:solidFill>
+                  <a:srgbClr val="333333"/>
+                </a:solidFill>
+                <a:latin typeface="+mn-ea"/>
+              </a:rPr>
+              <a:t> Volume </a:t>
+            </a:r>
+            <a:r>
+              <a:rPr lang="zh-CN" altLang="en-US" sz="1600" dirty="0">
+                <a:solidFill>
+                  <a:srgbClr val="333333"/>
+                </a:solidFill>
+                <a:latin typeface="+mn-ea"/>
+              </a:rPr>
+              <a:t>共享同一块内存 </a:t>
+            </a:r>
+            <a:r>
+              <a:rPr lang="en-US" altLang="zh-CN" sz="1600" dirty="0">
+                <a:solidFill>
+                  <a:srgbClr val="333333"/>
+                </a:solidFill>
+                <a:latin typeface="+mn-ea"/>
+              </a:rPr>
+              <a:t>Volume</a:t>
+            </a:r>
+            <a:r>
+              <a:rPr lang="zh-CN" altLang="en-US" sz="1600" dirty="0">
+                <a:solidFill>
+                  <a:srgbClr val="333333"/>
+                </a:solidFill>
+                <a:latin typeface="+mn-ea"/>
+              </a:rPr>
+              <a:t>。</a:t>
+            </a:r>
+          </a:p>
+          <a:p>
+            <a:pPr algn="just"/>
+            <a:r>
+              <a:rPr lang="en-US" altLang="zh-CN" sz="1600" b="1" dirty="0">
+                <a:solidFill>
+                  <a:srgbClr val="333333"/>
+                </a:solidFill>
+                <a:latin typeface="+mn-ea"/>
+              </a:rPr>
+              <a:t>Linux </a:t>
+            </a:r>
+            <a:r>
+              <a:rPr lang="zh-CN" altLang="en-US" sz="1600" b="1" dirty="0">
+                <a:solidFill>
+                  <a:srgbClr val="333333"/>
+                </a:solidFill>
+                <a:latin typeface="+mn-ea"/>
+              </a:rPr>
+              <a:t>共享内存的两种机制：</a:t>
+            </a:r>
+            <a:endParaRPr lang="zh-CN" altLang="en-US" sz="1600" dirty="0">
+              <a:solidFill>
+                <a:srgbClr val="333333"/>
+              </a:solidFill>
+              <a:latin typeface="+mn-ea"/>
+            </a:endParaRPr>
+          </a:p>
+          <a:p>
+            <a:pPr algn="just">
+              <a:buFont typeface="Arial" panose="020B0604020202020204" pitchFamily="34" charset="0"/>
+              <a:buChar char="•"/>
+            </a:pPr>
+            <a:r>
+              <a:rPr lang="en-US" altLang="zh-CN" sz="1600" dirty="0">
+                <a:solidFill>
+                  <a:srgbClr val="333333"/>
+                </a:solidFill>
+                <a:latin typeface="+mn-ea"/>
+              </a:rPr>
+              <a:t>POSIX </a:t>
+            </a:r>
+            <a:r>
+              <a:rPr lang="zh-CN" altLang="en-US" sz="1600" dirty="0">
+                <a:solidFill>
+                  <a:srgbClr val="333333"/>
+                </a:solidFill>
+                <a:latin typeface="+mn-ea"/>
+              </a:rPr>
+              <a:t>共享内存（</a:t>
+            </a:r>
+            <a:r>
+              <a:rPr lang="en-US" altLang="zh-CN" sz="1600" dirty="0" err="1">
+                <a:solidFill>
+                  <a:srgbClr val="333333"/>
+                </a:solidFill>
+                <a:latin typeface="+mn-ea"/>
+              </a:rPr>
+              <a:t>shm_open</a:t>
+            </a:r>
+            <a:r>
+              <a:rPr lang="en-US" altLang="zh-CN" sz="1600" dirty="0">
+                <a:solidFill>
+                  <a:srgbClr val="333333"/>
+                </a:solidFill>
+                <a:latin typeface="+mn-ea"/>
+              </a:rPr>
+              <a:t>()</a:t>
+            </a:r>
+            <a:r>
+              <a:rPr lang="zh-CN" altLang="en-US" sz="1600" dirty="0">
+                <a:solidFill>
+                  <a:srgbClr val="333333"/>
+                </a:solidFill>
+                <a:latin typeface="+mn-ea"/>
+              </a:rPr>
+              <a:t>、</a:t>
+            </a:r>
+            <a:r>
+              <a:rPr lang="en-US" altLang="zh-CN" sz="1600" dirty="0" err="1">
+                <a:solidFill>
+                  <a:srgbClr val="333333"/>
+                </a:solidFill>
+                <a:latin typeface="+mn-ea"/>
+              </a:rPr>
+              <a:t>shm_unlink</a:t>
+            </a:r>
+            <a:r>
+              <a:rPr lang="en-US" altLang="zh-CN" sz="1600" dirty="0">
+                <a:solidFill>
+                  <a:srgbClr val="333333"/>
+                </a:solidFill>
+                <a:latin typeface="+mn-ea"/>
+              </a:rPr>
+              <a:t>()</a:t>
+            </a:r>
+            <a:r>
+              <a:rPr lang="zh-CN" altLang="en-US" sz="1600" dirty="0">
+                <a:solidFill>
+                  <a:srgbClr val="333333"/>
+                </a:solidFill>
+                <a:latin typeface="+mn-ea"/>
+              </a:rPr>
+              <a:t>）；</a:t>
+            </a:r>
+          </a:p>
+          <a:p>
+            <a:pPr algn="just">
+              <a:buFont typeface="Arial" panose="020B0604020202020204" pitchFamily="34" charset="0"/>
+              <a:buChar char="•"/>
+            </a:pPr>
+            <a:r>
+              <a:rPr lang="en-US" altLang="zh-CN" sz="1600" dirty="0">
+                <a:solidFill>
+                  <a:srgbClr val="333333"/>
+                </a:solidFill>
+                <a:latin typeface="+mn-ea"/>
+              </a:rPr>
+              <a:t>System V </a:t>
+            </a:r>
+            <a:r>
+              <a:rPr lang="zh-CN" altLang="en-US" sz="1600" dirty="0">
+                <a:solidFill>
+                  <a:srgbClr val="333333"/>
+                </a:solidFill>
+                <a:latin typeface="+mn-ea"/>
+              </a:rPr>
+              <a:t>共享内存（</a:t>
+            </a:r>
+            <a:r>
+              <a:rPr lang="en-US" altLang="zh-CN" sz="1600" dirty="0" err="1">
+                <a:solidFill>
+                  <a:srgbClr val="333333"/>
+                </a:solidFill>
+                <a:latin typeface="+mn-ea"/>
+              </a:rPr>
+              <a:t>shmget</a:t>
+            </a:r>
+            <a:r>
+              <a:rPr lang="en-US" altLang="zh-CN" sz="1600" dirty="0">
+                <a:solidFill>
+                  <a:srgbClr val="333333"/>
+                </a:solidFill>
+                <a:latin typeface="+mn-ea"/>
+              </a:rPr>
+              <a:t>()</a:t>
+            </a:r>
+            <a:r>
+              <a:rPr lang="zh-CN" altLang="en-US" sz="1600" dirty="0">
+                <a:solidFill>
+                  <a:srgbClr val="333333"/>
+                </a:solidFill>
+                <a:latin typeface="+mn-ea"/>
+              </a:rPr>
+              <a:t>、</a:t>
+            </a:r>
+            <a:r>
+              <a:rPr lang="en-US" altLang="zh-CN" sz="1600" dirty="0" err="1">
+                <a:solidFill>
+                  <a:srgbClr val="333333"/>
+                </a:solidFill>
+                <a:latin typeface="+mn-ea"/>
+              </a:rPr>
+              <a:t>shmat</a:t>
+            </a:r>
+            <a:r>
+              <a:rPr lang="en-US" altLang="zh-CN" sz="1600" dirty="0">
+                <a:solidFill>
+                  <a:srgbClr val="333333"/>
+                </a:solidFill>
+                <a:latin typeface="+mn-ea"/>
+              </a:rPr>
+              <a:t>()</a:t>
+            </a:r>
+            <a:r>
+              <a:rPr lang="zh-CN" altLang="en-US" sz="1600" dirty="0">
+                <a:solidFill>
+                  <a:srgbClr val="333333"/>
+                </a:solidFill>
+                <a:latin typeface="+mn-ea"/>
+              </a:rPr>
+              <a:t>、</a:t>
+            </a:r>
+            <a:r>
+              <a:rPr lang="en-US" altLang="zh-CN" sz="1600" dirty="0" err="1">
+                <a:solidFill>
+                  <a:srgbClr val="333333"/>
+                </a:solidFill>
+                <a:latin typeface="+mn-ea"/>
+              </a:rPr>
+              <a:t>shmdt</a:t>
+            </a:r>
+            <a:r>
+              <a:rPr lang="en-US" altLang="zh-CN" sz="1600" dirty="0">
+                <a:solidFill>
+                  <a:srgbClr val="333333"/>
+                </a:solidFill>
+                <a:latin typeface="+mn-ea"/>
+              </a:rPr>
+              <a:t>()</a:t>
+            </a:r>
+            <a:r>
+              <a:rPr lang="zh-CN" altLang="en-US" sz="1600" dirty="0">
+                <a:solidFill>
+                  <a:srgbClr val="333333"/>
+                </a:solidFill>
+                <a:latin typeface="+mn-ea"/>
+              </a:rPr>
+              <a:t>）。</a:t>
+            </a:r>
+          </a:p>
+          <a:p>
+            <a:pPr algn="just"/>
+            <a:r>
+              <a:rPr lang="zh-CN" altLang="en-US" sz="1600" dirty="0">
+                <a:solidFill>
+                  <a:srgbClr val="333333"/>
+                </a:solidFill>
+                <a:latin typeface="+mn-ea"/>
+              </a:rPr>
+              <a:t>其中，</a:t>
+            </a:r>
+            <a:r>
+              <a:rPr lang="en-US" altLang="zh-CN" sz="1600" dirty="0">
+                <a:solidFill>
+                  <a:srgbClr val="333333"/>
+                </a:solidFill>
+                <a:latin typeface="+mn-ea"/>
+              </a:rPr>
+              <a:t>System V </a:t>
+            </a:r>
+            <a:r>
+              <a:rPr lang="zh-CN" altLang="en-US" sz="1600" dirty="0">
+                <a:solidFill>
+                  <a:srgbClr val="333333"/>
+                </a:solidFill>
+                <a:latin typeface="+mn-ea"/>
+              </a:rPr>
+              <a:t>共享内存历史悠久，一般的 </a:t>
+            </a:r>
+            <a:r>
+              <a:rPr lang="en-US" altLang="zh-CN" sz="1600" dirty="0">
+                <a:solidFill>
+                  <a:srgbClr val="333333"/>
+                </a:solidFill>
+                <a:latin typeface="+mn-ea"/>
+              </a:rPr>
+              <a:t>UNIX </a:t>
+            </a:r>
+            <a:r>
+              <a:rPr lang="zh-CN" altLang="en-US" sz="1600" dirty="0">
+                <a:solidFill>
+                  <a:srgbClr val="333333"/>
+                </a:solidFill>
+                <a:latin typeface="+mn-ea"/>
+              </a:rPr>
+              <a:t>系统上都有这套机制；而 </a:t>
+            </a:r>
+            <a:r>
+              <a:rPr lang="en-US" altLang="zh-CN" sz="1600" dirty="0">
+                <a:solidFill>
+                  <a:srgbClr val="333333"/>
+                </a:solidFill>
+                <a:latin typeface="+mn-ea"/>
+              </a:rPr>
+              <a:t>POSIX </a:t>
+            </a:r>
+            <a:r>
+              <a:rPr lang="zh-CN" altLang="en-US" sz="1600" dirty="0">
+                <a:solidFill>
+                  <a:srgbClr val="333333"/>
+                </a:solidFill>
+                <a:latin typeface="+mn-ea"/>
+              </a:rPr>
+              <a:t>共享内存机制接口更加方便易用，一般是结合内存映射 </a:t>
+            </a:r>
+            <a:r>
+              <a:rPr lang="en-US" altLang="zh-CN" sz="1600" dirty="0" err="1">
+                <a:solidFill>
+                  <a:srgbClr val="333333"/>
+                </a:solidFill>
+                <a:latin typeface="+mn-ea"/>
+              </a:rPr>
+              <a:t>mmap</a:t>
+            </a:r>
+            <a:r>
+              <a:rPr lang="en-US" altLang="zh-CN" sz="1600" dirty="0">
+                <a:solidFill>
+                  <a:srgbClr val="333333"/>
+                </a:solidFill>
+                <a:latin typeface="+mn-ea"/>
+              </a:rPr>
+              <a:t> </a:t>
+            </a:r>
+            <a:r>
+              <a:rPr lang="zh-CN" altLang="en-US" sz="1600" dirty="0">
+                <a:solidFill>
+                  <a:srgbClr val="333333"/>
+                </a:solidFill>
+                <a:latin typeface="+mn-ea"/>
+              </a:rPr>
+              <a:t>使用。</a:t>
+            </a:r>
+          </a:p>
+          <a:p>
+            <a:pPr algn="just"/>
+            <a:r>
+              <a:rPr lang="en-US" altLang="zh-CN" sz="1600" b="1" dirty="0" err="1">
+                <a:solidFill>
+                  <a:srgbClr val="333333"/>
+                </a:solidFill>
+                <a:latin typeface="+mn-ea"/>
+              </a:rPr>
+              <a:t>mmap</a:t>
+            </a:r>
+            <a:r>
+              <a:rPr lang="en-US" altLang="zh-CN" sz="1600" b="1" dirty="0">
+                <a:solidFill>
+                  <a:srgbClr val="333333"/>
+                </a:solidFill>
+                <a:latin typeface="+mn-ea"/>
+              </a:rPr>
+              <a:t> </a:t>
+            </a:r>
+            <a:r>
+              <a:rPr lang="zh-CN" altLang="en-US" sz="1600" b="1" dirty="0">
+                <a:solidFill>
+                  <a:srgbClr val="333333"/>
+                </a:solidFill>
+                <a:latin typeface="+mn-ea"/>
+              </a:rPr>
+              <a:t>和 </a:t>
+            </a:r>
+            <a:r>
+              <a:rPr lang="en-US" altLang="zh-CN" sz="1600" b="1" dirty="0">
+                <a:solidFill>
+                  <a:srgbClr val="333333"/>
+                </a:solidFill>
+                <a:latin typeface="+mn-ea"/>
+              </a:rPr>
+              <a:t>System V </a:t>
+            </a:r>
+            <a:r>
+              <a:rPr lang="zh-CN" altLang="en-US" sz="1600" b="1" dirty="0">
+                <a:solidFill>
+                  <a:srgbClr val="333333"/>
+                </a:solidFill>
+                <a:latin typeface="+mn-ea"/>
+              </a:rPr>
+              <a:t>共享内存的主要区别在于：</a:t>
+            </a:r>
+            <a:endParaRPr lang="zh-CN" altLang="en-US" sz="1600" dirty="0">
+              <a:solidFill>
+                <a:srgbClr val="333333"/>
+              </a:solidFill>
+              <a:latin typeface="+mn-ea"/>
+            </a:endParaRPr>
+          </a:p>
+          <a:p>
+            <a:pPr algn="just">
+              <a:buFont typeface="Arial" panose="020B0604020202020204" pitchFamily="34" charset="0"/>
+              <a:buChar char="•"/>
+            </a:pPr>
+            <a:r>
+              <a:rPr lang="en-US" altLang="zh-CN" sz="1600" dirty="0" err="1">
+                <a:solidFill>
+                  <a:srgbClr val="333333"/>
+                </a:solidFill>
+                <a:latin typeface="+mn-ea"/>
+              </a:rPr>
+              <a:t>SystemV</a:t>
+            </a:r>
+            <a:r>
+              <a:rPr lang="en-US" altLang="zh-CN" sz="1600" dirty="0">
+                <a:solidFill>
+                  <a:srgbClr val="333333"/>
+                </a:solidFill>
+                <a:latin typeface="+mn-ea"/>
+              </a:rPr>
+              <a:t> </a:t>
+            </a:r>
+            <a:r>
+              <a:rPr lang="zh-CN" altLang="en-US" sz="1600" dirty="0">
+                <a:solidFill>
+                  <a:srgbClr val="333333"/>
+                </a:solidFill>
+                <a:latin typeface="+mn-ea"/>
+              </a:rPr>
+              <a:t>是持久化的。除非被一个进程明确地删除，否则它始终存在于内存里，直到系统关机；</a:t>
+            </a:r>
+          </a:p>
+          <a:p>
+            <a:pPr algn="just">
+              <a:buFont typeface="Arial" panose="020B0604020202020204" pitchFamily="34" charset="0"/>
+              <a:buChar char="•"/>
+            </a:pPr>
+            <a:r>
+              <a:rPr lang="en-US" altLang="zh-CN" sz="1600" dirty="0" err="1">
+                <a:solidFill>
+                  <a:srgbClr val="333333"/>
+                </a:solidFill>
+                <a:latin typeface="+mn-ea"/>
+              </a:rPr>
+              <a:t>mmap</a:t>
+            </a:r>
+            <a:r>
+              <a:rPr lang="en-US" altLang="zh-CN" sz="1600" dirty="0">
+                <a:solidFill>
+                  <a:srgbClr val="333333"/>
+                </a:solidFill>
+                <a:latin typeface="+mn-ea"/>
+              </a:rPr>
+              <a:t> </a:t>
+            </a:r>
+            <a:r>
+              <a:rPr lang="zh-CN" altLang="en-US" sz="1600" dirty="0">
+                <a:solidFill>
+                  <a:srgbClr val="333333"/>
+                </a:solidFill>
+                <a:latin typeface="+mn-ea"/>
+              </a:rPr>
+              <a:t>映射的内存不是持久化的。如果进程关闭，映射随即失效，除非事先已经映射到了一个文件上；</a:t>
+            </a:r>
+          </a:p>
+          <a:p>
+            <a:pPr algn="just">
+              <a:buFont typeface="Arial" panose="020B0604020202020204" pitchFamily="34" charset="0"/>
+              <a:buChar char="•"/>
+            </a:pPr>
+            <a:r>
+              <a:rPr lang="en-US" altLang="zh-CN" sz="1600" dirty="0">
+                <a:solidFill>
+                  <a:srgbClr val="333333"/>
+                </a:solidFill>
+                <a:latin typeface="+mn-ea"/>
+              </a:rPr>
+              <a:t>/</a:t>
+            </a:r>
+            <a:r>
+              <a:rPr lang="en-US" altLang="zh-CN" sz="1600" dirty="0" err="1">
+                <a:solidFill>
+                  <a:srgbClr val="333333"/>
+                </a:solidFill>
+                <a:latin typeface="+mn-ea"/>
+              </a:rPr>
+              <a:t>dev</a:t>
+            </a:r>
+            <a:r>
+              <a:rPr lang="en-US" altLang="zh-CN" sz="1600" dirty="0">
+                <a:solidFill>
+                  <a:srgbClr val="333333"/>
+                </a:solidFill>
+                <a:latin typeface="+mn-ea"/>
+              </a:rPr>
+              <a:t>/</a:t>
+            </a:r>
+            <a:r>
+              <a:rPr lang="en-US" altLang="zh-CN" sz="1600" dirty="0" err="1">
+                <a:solidFill>
+                  <a:srgbClr val="333333"/>
+                </a:solidFill>
+                <a:latin typeface="+mn-ea"/>
+              </a:rPr>
+              <a:t>shm</a:t>
+            </a:r>
+            <a:r>
+              <a:rPr lang="en-US" altLang="zh-CN" sz="1600" dirty="0">
+                <a:solidFill>
+                  <a:srgbClr val="333333"/>
+                </a:solidFill>
+                <a:latin typeface="+mn-ea"/>
+              </a:rPr>
+              <a:t> </a:t>
+            </a:r>
+            <a:r>
+              <a:rPr lang="zh-CN" altLang="en-US" sz="1600" dirty="0">
+                <a:solidFill>
+                  <a:srgbClr val="333333"/>
+                </a:solidFill>
+                <a:latin typeface="+mn-ea"/>
+              </a:rPr>
+              <a:t>是 </a:t>
+            </a:r>
+            <a:r>
+              <a:rPr lang="en-US" altLang="zh-CN" sz="1600" dirty="0">
+                <a:solidFill>
+                  <a:srgbClr val="333333"/>
+                </a:solidFill>
+                <a:latin typeface="+mn-ea"/>
+              </a:rPr>
+              <a:t>Linux </a:t>
+            </a:r>
+            <a:r>
+              <a:rPr lang="zh-CN" altLang="en-US" sz="1600" dirty="0">
+                <a:solidFill>
+                  <a:srgbClr val="333333"/>
+                </a:solidFill>
+                <a:latin typeface="+mn-ea"/>
+              </a:rPr>
+              <a:t>下 </a:t>
+            </a:r>
+            <a:r>
+              <a:rPr lang="en-US" altLang="zh-CN" sz="1600" dirty="0" err="1">
+                <a:solidFill>
+                  <a:srgbClr val="333333"/>
+                </a:solidFill>
+                <a:latin typeface="+mn-ea"/>
+              </a:rPr>
+              <a:t>SystemV</a:t>
+            </a:r>
+            <a:r>
+              <a:rPr lang="en-US" altLang="zh-CN" sz="1600" dirty="0">
+                <a:solidFill>
+                  <a:srgbClr val="333333"/>
+                </a:solidFill>
+                <a:latin typeface="+mn-ea"/>
+              </a:rPr>
+              <a:t> </a:t>
+            </a:r>
+            <a:r>
+              <a:rPr lang="zh-CN" altLang="en-US" sz="1600" dirty="0">
+                <a:solidFill>
+                  <a:srgbClr val="333333"/>
+                </a:solidFill>
+                <a:latin typeface="+mn-ea"/>
+              </a:rPr>
+              <a:t>共享内存的默认挂载点。</a:t>
+            </a:r>
+          </a:p>
+          <a:p>
+            <a:pPr algn="just"/>
+            <a:r>
+              <a:rPr lang="en-US" altLang="zh-CN" sz="1600" dirty="0">
+                <a:solidFill>
+                  <a:srgbClr val="333333"/>
+                </a:solidFill>
+                <a:latin typeface="+mn-ea"/>
+              </a:rPr>
+              <a:t>POSIX </a:t>
+            </a:r>
+            <a:r>
+              <a:rPr lang="zh-CN" altLang="en-US" sz="1600" dirty="0">
+                <a:solidFill>
+                  <a:srgbClr val="333333"/>
+                </a:solidFill>
+                <a:latin typeface="+mn-ea"/>
+              </a:rPr>
+              <a:t>共享内存是基于 </a:t>
+            </a:r>
+            <a:r>
+              <a:rPr lang="en-US" altLang="zh-CN" sz="1600" dirty="0" err="1">
+                <a:solidFill>
+                  <a:srgbClr val="333333"/>
+                </a:solidFill>
+                <a:latin typeface="+mn-ea"/>
+              </a:rPr>
+              <a:t>tmpfs</a:t>
+            </a:r>
+            <a:r>
+              <a:rPr lang="en-US" altLang="zh-CN" sz="1600" dirty="0">
+                <a:solidFill>
+                  <a:srgbClr val="333333"/>
+                </a:solidFill>
+                <a:latin typeface="+mn-ea"/>
+              </a:rPr>
+              <a:t> </a:t>
+            </a:r>
+            <a:r>
+              <a:rPr lang="zh-CN" altLang="en-US" sz="1600" dirty="0">
+                <a:solidFill>
+                  <a:srgbClr val="333333"/>
+                </a:solidFill>
+                <a:latin typeface="+mn-ea"/>
+              </a:rPr>
+              <a:t>实现的。在内核中，不仅 </a:t>
+            </a:r>
+            <a:r>
+              <a:rPr lang="en-US" altLang="zh-CN" sz="1600" dirty="0">
+                <a:solidFill>
+                  <a:srgbClr val="333333"/>
+                </a:solidFill>
+                <a:latin typeface="+mn-ea"/>
+              </a:rPr>
+              <a:t>PSM</a:t>
+            </a:r>
+            <a:r>
+              <a:rPr lang="zh-CN" altLang="en-US" sz="1600" dirty="0">
+                <a:solidFill>
+                  <a:srgbClr val="333333"/>
+                </a:solidFill>
+                <a:latin typeface="+mn-ea"/>
+              </a:rPr>
+              <a:t>（</a:t>
+            </a:r>
+            <a:r>
+              <a:rPr lang="en-US" altLang="zh-CN" sz="1600" dirty="0">
+                <a:solidFill>
+                  <a:srgbClr val="333333"/>
+                </a:solidFill>
+                <a:latin typeface="+mn-ea"/>
+              </a:rPr>
+              <a:t>POSIX shared memory</a:t>
+            </a:r>
+            <a:r>
+              <a:rPr lang="zh-CN" altLang="en-US" sz="1600" dirty="0">
+                <a:solidFill>
+                  <a:srgbClr val="333333"/>
+                </a:solidFill>
+                <a:latin typeface="+mn-ea"/>
+              </a:rPr>
+              <a:t>），</a:t>
+            </a:r>
+            <a:r>
+              <a:rPr lang="en-US" altLang="zh-CN" sz="1600" dirty="0">
+                <a:solidFill>
+                  <a:srgbClr val="333333"/>
+                </a:solidFill>
+                <a:latin typeface="+mn-ea"/>
+              </a:rPr>
+              <a:t>SSM</a:t>
+            </a:r>
+            <a:r>
+              <a:rPr lang="zh-CN" altLang="en-US" sz="1600" dirty="0">
+                <a:solidFill>
+                  <a:srgbClr val="333333"/>
+                </a:solidFill>
+                <a:latin typeface="+mn-ea"/>
+              </a:rPr>
+              <a:t>（</a:t>
+            </a:r>
+            <a:r>
+              <a:rPr lang="en-US" altLang="zh-CN" sz="1600" dirty="0">
+                <a:solidFill>
+                  <a:srgbClr val="333333"/>
+                </a:solidFill>
+                <a:latin typeface="+mn-ea"/>
+              </a:rPr>
+              <a:t>System V shared memory</a:t>
+            </a:r>
+            <a:r>
+              <a:rPr lang="zh-CN" altLang="en-US" sz="1600" dirty="0">
+                <a:solidFill>
+                  <a:srgbClr val="333333"/>
+                </a:solidFill>
+                <a:latin typeface="+mn-ea"/>
+              </a:rPr>
+              <a:t>）也是基于 </a:t>
+            </a:r>
+            <a:r>
+              <a:rPr lang="en-US" altLang="zh-CN" sz="1600" dirty="0" err="1">
+                <a:solidFill>
+                  <a:srgbClr val="333333"/>
+                </a:solidFill>
+                <a:latin typeface="+mn-ea"/>
+              </a:rPr>
+              <a:t>tmpfs</a:t>
+            </a:r>
+            <a:r>
+              <a:rPr lang="en-US" altLang="zh-CN" sz="1600" dirty="0">
+                <a:solidFill>
+                  <a:srgbClr val="333333"/>
+                </a:solidFill>
+                <a:latin typeface="+mn-ea"/>
+              </a:rPr>
+              <a:t> </a:t>
+            </a:r>
+            <a:r>
+              <a:rPr lang="zh-CN" altLang="en-US" sz="1600" dirty="0">
+                <a:solidFill>
+                  <a:srgbClr val="333333"/>
+                </a:solidFill>
+                <a:latin typeface="+mn-ea"/>
+              </a:rPr>
+              <a:t>来实现的。</a:t>
+            </a:r>
+          </a:p>
+          <a:p>
+            <a:pPr algn="just"/>
+            <a:r>
+              <a:rPr lang="en-US" altLang="zh-CN" sz="1600" b="1" dirty="0" err="1">
+                <a:solidFill>
+                  <a:srgbClr val="333333"/>
+                </a:solidFill>
+                <a:latin typeface="+mn-ea"/>
+              </a:rPr>
+              <a:t>tmpfs</a:t>
+            </a:r>
+            <a:r>
+              <a:rPr lang="en-US" altLang="zh-CN" sz="1600" b="1" dirty="0">
+                <a:solidFill>
+                  <a:srgbClr val="333333"/>
+                </a:solidFill>
+                <a:latin typeface="+mn-ea"/>
+              </a:rPr>
+              <a:t> </a:t>
+            </a:r>
+            <a:r>
+              <a:rPr lang="zh-CN" altLang="en-US" sz="1600" b="1" dirty="0">
+                <a:solidFill>
+                  <a:srgbClr val="333333"/>
+                </a:solidFill>
+                <a:latin typeface="+mn-ea"/>
+              </a:rPr>
+              <a:t>主要有两个作用：</a:t>
+            </a:r>
+            <a:endParaRPr lang="zh-CN" altLang="en-US" sz="1600" dirty="0">
+              <a:solidFill>
+                <a:srgbClr val="333333"/>
+              </a:solidFill>
+              <a:latin typeface="+mn-ea"/>
+            </a:endParaRPr>
+          </a:p>
+          <a:p>
+            <a:pPr algn="just">
+              <a:buFont typeface="Arial" panose="020B0604020202020204" pitchFamily="34" charset="0"/>
+              <a:buChar char="•"/>
+            </a:pPr>
+            <a:r>
+              <a:rPr lang="zh-CN" altLang="en-US" sz="1600" dirty="0">
+                <a:solidFill>
+                  <a:srgbClr val="333333"/>
+                </a:solidFill>
+                <a:latin typeface="+mn-ea"/>
+              </a:rPr>
+              <a:t>用于 </a:t>
+            </a:r>
+            <a:r>
+              <a:rPr lang="en-US" altLang="zh-CN" sz="1600" dirty="0" err="1">
+                <a:solidFill>
+                  <a:srgbClr val="333333"/>
+                </a:solidFill>
+                <a:latin typeface="+mn-ea"/>
+              </a:rPr>
+              <a:t>SystemV</a:t>
+            </a:r>
+            <a:r>
+              <a:rPr lang="en-US" altLang="zh-CN" sz="1600" dirty="0">
+                <a:solidFill>
+                  <a:srgbClr val="333333"/>
+                </a:solidFill>
+                <a:latin typeface="+mn-ea"/>
+              </a:rPr>
+              <a:t> </a:t>
+            </a:r>
+            <a:r>
+              <a:rPr lang="zh-CN" altLang="en-US" sz="1600" dirty="0">
+                <a:solidFill>
+                  <a:srgbClr val="333333"/>
+                </a:solidFill>
+                <a:latin typeface="+mn-ea"/>
+              </a:rPr>
+              <a:t>共享内存、匿名内存映射。这部分由内核管理，用户不可见；</a:t>
+            </a:r>
+          </a:p>
+          <a:p>
+            <a:pPr algn="just">
+              <a:buFont typeface="Arial" panose="020B0604020202020204" pitchFamily="34" charset="0"/>
+              <a:buChar char="•"/>
+            </a:pPr>
+            <a:r>
+              <a:rPr lang="zh-CN" altLang="en-US" sz="1600" dirty="0">
+                <a:solidFill>
+                  <a:srgbClr val="333333"/>
+                </a:solidFill>
+                <a:latin typeface="+mn-ea"/>
+              </a:rPr>
+              <a:t>用于 </a:t>
+            </a:r>
+            <a:r>
+              <a:rPr lang="en-US" altLang="zh-CN" sz="1600" dirty="0">
+                <a:solidFill>
+                  <a:srgbClr val="333333"/>
+                </a:solidFill>
+                <a:latin typeface="+mn-ea"/>
+              </a:rPr>
+              <a:t>POSIX </a:t>
+            </a:r>
+            <a:r>
+              <a:rPr lang="zh-CN" altLang="en-US" sz="1600" dirty="0">
+                <a:solidFill>
+                  <a:srgbClr val="333333"/>
+                </a:solidFill>
+                <a:latin typeface="+mn-ea"/>
+              </a:rPr>
+              <a:t>共享内存，由用户负责 </a:t>
+            </a:r>
+            <a:r>
+              <a:rPr lang="en-US" altLang="zh-CN" sz="1600" dirty="0">
+                <a:solidFill>
+                  <a:srgbClr val="333333"/>
+                </a:solidFill>
+                <a:latin typeface="+mn-ea"/>
+              </a:rPr>
+              <a:t>mount</a:t>
+            </a:r>
+            <a:r>
+              <a:rPr lang="zh-CN" altLang="en-US" sz="1600" dirty="0">
+                <a:solidFill>
+                  <a:srgbClr val="333333"/>
+                </a:solidFill>
+                <a:latin typeface="+mn-ea"/>
+              </a:rPr>
+              <a:t>。</a:t>
+            </a:r>
+            <a:r>
+              <a:rPr lang="en-US" altLang="zh-CN" sz="1600" dirty="0">
+                <a:solidFill>
+                  <a:srgbClr val="333333"/>
+                </a:solidFill>
+                <a:latin typeface="+mn-ea"/>
+              </a:rPr>
+              <a:t>mount </a:t>
+            </a:r>
+            <a:r>
+              <a:rPr lang="zh-CN" altLang="en-US" sz="1600" dirty="0">
+                <a:solidFill>
+                  <a:srgbClr val="333333"/>
+                </a:solidFill>
+                <a:latin typeface="+mn-ea"/>
+              </a:rPr>
+              <a:t>到 </a:t>
+            </a:r>
+            <a:r>
+              <a:rPr lang="en-US" altLang="zh-CN" sz="1600" dirty="0">
+                <a:solidFill>
+                  <a:srgbClr val="333333"/>
+                </a:solidFill>
+                <a:latin typeface="+mn-ea"/>
+              </a:rPr>
+              <a:t>/</a:t>
+            </a:r>
+            <a:r>
+              <a:rPr lang="en-US" altLang="zh-CN" sz="1600" dirty="0" err="1">
+                <a:solidFill>
+                  <a:srgbClr val="333333"/>
+                </a:solidFill>
+                <a:latin typeface="+mn-ea"/>
+              </a:rPr>
+              <a:t>dev</a:t>
+            </a:r>
+            <a:r>
+              <a:rPr lang="en-US" altLang="zh-CN" sz="1600" dirty="0">
+                <a:solidFill>
+                  <a:srgbClr val="333333"/>
+                </a:solidFill>
+                <a:latin typeface="+mn-ea"/>
+              </a:rPr>
+              <a:t>/</a:t>
+            </a:r>
+            <a:r>
+              <a:rPr lang="en-US" altLang="zh-CN" sz="1600" dirty="0" err="1">
+                <a:solidFill>
+                  <a:srgbClr val="333333"/>
+                </a:solidFill>
+                <a:latin typeface="+mn-ea"/>
+              </a:rPr>
+              <a:t>shm</a:t>
+            </a:r>
+            <a:r>
+              <a:rPr lang="en-US" altLang="zh-CN" sz="1600" dirty="0">
+                <a:solidFill>
+                  <a:srgbClr val="333333"/>
+                </a:solidFill>
+                <a:latin typeface="+mn-ea"/>
+              </a:rPr>
+              <a:t> </a:t>
+            </a:r>
+            <a:r>
+              <a:rPr lang="zh-CN" altLang="en-US" sz="1600" dirty="0">
+                <a:solidFill>
+                  <a:srgbClr val="333333"/>
+                </a:solidFill>
+                <a:latin typeface="+mn-ea"/>
+              </a:rPr>
+              <a:t>依赖于 </a:t>
+            </a:r>
+            <a:r>
+              <a:rPr lang="en-US" altLang="zh-CN" sz="1600" dirty="0">
+                <a:solidFill>
+                  <a:srgbClr val="333333"/>
+                </a:solidFill>
+                <a:latin typeface="+mn-ea"/>
+              </a:rPr>
+              <a:t>CONFIG_TMPFS</a:t>
+            </a:r>
+            <a:r>
+              <a:rPr lang="zh-CN" altLang="en-US" sz="1600" dirty="0">
+                <a:solidFill>
+                  <a:srgbClr val="333333"/>
+                </a:solidFill>
+                <a:latin typeface="+mn-ea"/>
+              </a:rPr>
+              <a:t>。</a:t>
+            </a:r>
+          </a:p>
+          <a:p>
+            <a:pPr algn="just"/>
+            <a:r>
+              <a:rPr lang="zh-CN" altLang="en-US" sz="1600" dirty="0">
+                <a:solidFill>
+                  <a:srgbClr val="333333"/>
+                </a:solidFill>
+                <a:latin typeface="+mn-ea"/>
+              </a:rPr>
+              <a:t>虽然 </a:t>
+            </a:r>
+            <a:r>
+              <a:rPr lang="en-US" altLang="zh-CN" sz="1600" dirty="0">
+                <a:solidFill>
+                  <a:srgbClr val="333333"/>
+                </a:solidFill>
+                <a:latin typeface="+mn-ea"/>
+              </a:rPr>
+              <a:t>System V </a:t>
+            </a:r>
+            <a:r>
+              <a:rPr lang="zh-CN" altLang="en-US" sz="1600" dirty="0">
+                <a:solidFill>
+                  <a:srgbClr val="333333"/>
+                </a:solidFill>
+                <a:latin typeface="+mn-ea"/>
+              </a:rPr>
+              <a:t>与 </a:t>
+            </a:r>
+            <a:r>
+              <a:rPr lang="en-US" altLang="zh-CN" sz="1600" dirty="0">
+                <a:solidFill>
+                  <a:srgbClr val="333333"/>
+                </a:solidFill>
+                <a:latin typeface="+mn-ea"/>
+              </a:rPr>
+              <a:t>POSIX </a:t>
+            </a:r>
+            <a:r>
+              <a:rPr lang="zh-CN" altLang="en-US" sz="1600" dirty="0">
+                <a:solidFill>
+                  <a:srgbClr val="333333"/>
+                </a:solidFill>
+                <a:latin typeface="+mn-ea"/>
+              </a:rPr>
+              <a:t>共享内存都是通过 </a:t>
+            </a:r>
+            <a:r>
+              <a:rPr lang="en-US" altLang="zh-CN" sz="1600" dirty="0" err="1">
+                <a:solidFill>
+                  <a:srgbClr val="333333"/>
+                </a:solidFill>
+                <a:latin typeface="+mn-ea"/>
+              </a:rPr>
+              <a:t>tmpfs</a:t>
+            </a:r>
+            <a:r>
+              <a:rPr lang="en-US" altLang="zh-CN" sz="1600" dirty="0">
+                <a:solidFill>
+                  <a:srgbClr val="333333"/>
+                </a:solidFill>
+                <a:latin typeface="+mn-ea"/>
+              </a:rPr>
+              <a:t> </a:t>
+            </a:r>
+            <a:r>
+              <a:rPr lang="zh-CN" altLang="en-US" sz="1600" dirty="0">
+                <a:solidFill>
+                  <a:srgbClr val="333333"/>
+                </a:solidFill>
+                <a:latin typeface="+mn-ea"/>
+              </a:rPr>
+              <a:t>来实现的，但是它们所受的限制却不相同。</a:t>
+            </a:r>
+            <a:r>
+              <a:rPr lang="en-US" altLang="zh-CN" sz="1600" dirty="0">
+                <a:solidFill>
+                  <a:srgbClr val="333333"/>
+                </a:solidFill>
+                <a:latin typeface="+mn-ea"/>
+              </a:rPr>
+              <a:t>/</a:t>
+            </a:r>
+            <a:r>
+              <a:rPr lang="en-US" altLang="zh-CN" sz="1600" dirty="0" err="1">
+                <a:solidFill>
+                  <a:srgbClr val="333333"/>
+                </a:solidFill>
+                <a:latin typeface="+mn-ea"/>
+              </a:rPr>
+              <a:t>proc</a:t>
+            </a:r>
+            <a:r>
+              <a:rPr lang="en-US" altLang="zh-CN" sz="1600" dirty="0">
+                <a:solidFill>
+                  <a:srgbClr val="333333"/>
+                </a:solidFill>
+                <a:latin typeface="+mn-ea"/>
+              </a:rPr>
+              <a:t>/sys/kernel/</a:t>
+            </a:r>
+            <a:r>
+              <a:rPr lang="en-US" altLang="zh-CN" sz="1600" dirty="0" err="1">
+                <a:solidFill>
+                  <a:srgbClr val="333333"/>
+                </a:solidFill>
+                <a:latin typeface="+mn-ea"/>
+              </a:rPr>
+              <a:t>shmmax</a:t>
+            </a:r>
+            <a:r>
+              <a:rPr lang="en-US" altLang="zh-CN" sz="1600" dirty="0">
+                <a:solidFill>
+                  <a:srgbClr val="333333"/>
+                </a:solidFill>
+                <a:latin typeface="+mn-ea"/>
+              </a:rPr>
+              <a:t> </a:t>
+            </a:r>
+            <a:r>
+              <a:rPr lang="zh-CN" altLang="en-US" sz="1600" dirty="0">
+                <a:solidFill>
+                  <a:srgbClr val="333333"/>
+                </a:solidFill>
+                <a:latin typeface="+mn-ea"/>
+              </a:rPr>
+              <a:t>只会影响 </a:t>
+            </a:r>
+            <a:r>
+              <a:rPr lang="en-US" altLang="zh-CN" sz="1600" dirty="0" err="1">
+                <a:solidFill>
+                  <a:srgbClr val="333333"/>
+                </a:solidFill>
+                <a:latin typeface="+mn-ea"/>
+              </a:rPr>
+              <a:t>SystemV</a:t>
+            </a:r>
+            <a:r>
+              <a:rPr lang="en-US" altLang="zh-CN" sz="1600" dirty="0">
+                <a:solidFill>
+                  <a:srgbClr val="333333"/>
+                </a:solidFill>
+                <a:latin typeface="+mn-ea"/>
+              </a:rPr>
+              <a:t> </a:t>
+            </a:r>
+            <a:r>
+              <a:rPr lang="zh-CN" altLang="en-US" sz="1600" dirty="0">
+                <a:solidFill>
+                  <a:srgbClr val="333333"/>
+                </a:solidFill>
+                <a:latin typeface="+mn-ea"/>
+              </a:rPr>
+              <a:t>的共享内存。</a:t>
+            </a:r>
+            <a:r>
+              <a:rPr lang="en-US" altLang="zh-CN" sz="1600" dirty="0">
+                <a:solidFill>
+                  <a:srgbClr val="333333"/>
+                </a:solidFill>
+                <a:latin typeface="+mn-ea"/>
+              </a:rPr>
+              <a:t>/</a:t>
+            </a:r>
+            <a:r>
+              <a:rPr lang="en-US" altLang="zh-CN" sz="1600" dirty="0" err="1">
+                <a:solidFill>
+                  <a:srgbClr val="333333"/>
+                </a:solidFill>
+                <a:latin typeface="+mn-ea"/>
+              </a:rPr>
+              <a:t>dev</a:t>
+            </a:r>
+            <a:r>
+              <a:rPr lang="en-US" altLang="zh-CN" sz="1600" dirty="0">
+                <a:solidFill>
+                  <a:srgbClr val="333333"/>
+                </a:solidFill>
+                <a:latin typeface="+mn-ea"/>
+              </a:rPr>
+              <a:t>/</a:t>
+            </a:r>
+            <a:r>
+              <a:rPr lang="en-US" altLang="zh-CN" sz="1600" dirty="0" err="1">
+                <a:solidFill>
+                  <a:srgbClr val="333333"/>
+                </a:solidFill>
+                <a:latin typeface="+mn-ea"/>
+              </a:rPr>
+              <a:t>shm</a:t>
+            </a:r>
+            <a:r>
+              <a:rPr lang="en-US" altLang="zh-CN" sz="1600" dirty="0">
+                <a:solidFill>
+                  <a:srgbClr val="333333"/>
+                </a:solidFill>
+                <a:latin typeface="+mn-ea"/>
+              </a:rPr>
+              <a:t> </a:t>
+            </a:r>
+            <a:r>
+              <a:rPr lang="zh-CN" altLang="en-US" sz="1600" dirty="0">
+                <a:solidFill>
+                  <a:srgbClr val="333333"/>
+                </a:solidFill>
+                <a:latin typeface="+mn-ea"/>
+              </a:rPr>
+              <a:t>只会影响 </a:t>
+            </a:r>
+            <a:r>
+              <a:rPr lang="en-US" altLang="zh-CN" sz="1600" dirty="0">
+                <a:solidFill>
+                  <a:srgbClr val="333333"/>
+                </a:solidFill>
+                <a:latin typeface="+mn-ea"/>
+              </a:rPr>
+              <a:t>POSIX </a:t>
+            </a:r>
+            <a:r>
+              <a:rPr lang="zh-CN" altLang="en-US" sz="1600" dirty="0">
+                <a:solidFill>
+                  <a:srgbClr val="333333"/>
+                </a:solidFill>
+                <a:latin typeface="+mn-ea"/>
+              </a:rPr>
+              <a:t>的共享内存 。也就是说，</a:t>
+            </a:r>
+            <a:r>
+              <a:rPr lang="en-US" altLang="zh-CN" sz="1600" dirty="0">
+                <a:solidFill>
+                  <a:srgbClr val="333333"/>
+                </a:solidFill>
+                <a:latin typeface="+mn-ea"/>
+              </a:rPr>
+              <a:t>System V </a:t>
+            </a:r>
+            <a:r>
+              <a:rPr lang="zh-CN" altLang="en-US" sz="1600" dirty="0">
+                <a:solidFill>
+                  <a:srgbClr val="333333"/>
+                </a:solidFill>
+                <a:latin typeface="+mn-ea"/>
+              </a:rPr>
+              <a:t>与 </a:t>
+            </a:r>
+            <a:r>
+              <a:rPr lang="en-US" altLang="zh-CN" sz="1600" dirty="0">
+                <a:solidFill>
+                  <a:srgbClr val="333333"/>
+                </a:solidFill>
+                <a:latin typeface="+mn-ea"/>
+              </a:rPr>
+              <a:t>POSIX </a:t>
+            </a:r>
+            <a:r>
+              <a:rPr lang="zh-CN" altLang="en-US" sz="1600" dirty="0">
+                <a:solidFill>
+                  <a:srgbClr val="333333"/>
+                </a:solidFill>
+                <a:latin typeface="+mn-ea"/>
+              </a:rPr>
+              <a:t>的共享内存使用的是两个不同的 </a:t>
+            </a:r>
+            <a:r>
+              <a:rPr lang="en-US" altLang="zh-CN" sz="1600" dirty="0" err="1">
+                <a:solidFill>
+                  <a:srgbClr val="333333"/>
+                </a:solidFill>
+                <a:latin typeface="+mn-ea"/>
+              </a:rPr>
+              <a:t>tmpfs</a:t>
+            </a:r>
+            <a:r>
+              <a:rPr lang="en-US" altLang="zh-CN" sz="1600" dirty="0">
+                <a:solidFill>
+                  <a:srgbClr val="333333"/>
+                </a:solidFill>
+                <a:latin typeface="+mn-ea"/>
+              </a:rPr>
+              <a:t> </a:t>
+            </a:r>
+            <a:r>
+              <a:rPr lang="zh-CN" altLang="en-US" sz="1600" dirty="0">
+                <a:solidFill>
+                  <a:srgbClr val="333333"/>
+                </a:solidFill>
+                <a:latin typeface="+mn-ea"/>
+              </a:rPr>
+              <a:t>实例（</a:t>
+            </a:r>
+            <a:r>
+              <a:rPr lang="en-US" altLang="zh-CN" sz="1600" dirty="0">
+                <a:solidFill>
+                  <a:srgbClr val="333333"/>
+                </a:solidFill>
+                <a:latin typeface="+mn-ea"/>
+              </a:rPr>
+              <a:t>instance</a:t>
+            </a:r>
+            <a:r>
+              <a:rPr lang="zh-CN" altLang="en-US" sz="1600" dirty="0">
+                <a:solidFill>
+                  <a:srgbClr val="333333"/>
+                </a:solidFill>
+                <a:latin typeface="+mn-ea"/>
+              </a:rPr>
+              <a:t>）。</a:t>
+            </a:r>
+            <a:r>
+              <a:rPr lang="en-US" altLang="zh-CN" sz="1600" dirty="0" err="1">
+                <a:solidFill>
+                  <a:srgbClr val="333333"/>
+                </a:solidFill>
+                <a:latin typeface="+mn-ea"/>
+              </a:rPr>
+              <a:t>SystemV</a:t>
+            </a:r>
+            <a:r>
+              <a:rPr lang="en-US" altLang="zh-CN" sz="1600" dirty="0">
+                <a:solidFill>
+                  <a:srgbClr val="333333"/>
+                </a:solidFill>
+                <a:latin typeface="+mn-ea"/>
+              </a:rPr>
+              <a:t> </a:t>
+            </a:r>
+            <a:r>
+              <a:rPr lang="zh-CN" altLang="en-US" sz="1600" dirty="0">
+                <a:solidFill>
+                  <a:srgbClr val="333333"/>
+                </a:solidFill>
+                <a:latin typeface="+mn-ea"/>
+              </a:rPr>
+              <a:t>共享内存能够使用的内存空间只受 </a:t>
+            </a:r>
+            <a:r>
+              <a:rPr lang="en-US" altLang="zh-CN" sz="1600" dirty="0">
+                <a:solidFill>
+                  <a:srgbClr val="333333"/>
+                </a:solidFill>
+                <a:latin typeface="+mn-ea"/>
+              </a:rPr>
+              <a:t>/</a:t>
+            </a:r>
+            <a:r>
+              <a:rPr lang="en-US" altLang="zh-CN" sz="1600" dirty="0" err="1">
+                <a:solidFill>
+                  <a:srgbClr val="333333"/>
+                </a:solidFill>
+                <a:latin typeface="+mn-ea"/>
+              </a:rPr>
+              <a:t>proc</a:t>
+            </a:r>
+            <a:r>
+              <a:rPr lang="en-US" altLang="zh-CN" sz="1600" dirty="0">
+                <a:solidFill>
+                  <a:srgbClr val="333333"/>
+                </a:solidFill>
+                <a:latin typeface="+mn-ea"/>
+              </a:rPr>
+              <a:t>/sys/kernel/</a:t>
+            </a:r>
+            <a:r>
+              <a:rPr lang="en-US" altLang="zh-CN" sz="1600" dirty="0" err="1">
+                <a:solidFill>
+                  <a:srgbClr val="333333"/>
+                </a:solidFill>
+                <a:latin typeface="+mn-ea"/>
+              </a:rPr>
+              <a:t>shmmax</a:t>
+            </a:r>
+            <a:r>
+              <a:rPr lang="en-US" altLang="zh-CN" sz="1600" dirty="0">
+                <a:solidFill>
+                  <a:srgbClr val="333333"/>
+                </a:solidFill>
+                <a:latin typeface="+mn-ea"/>
+              </a:rPr>
+              <a:t> </a:t>
+            </a:r>
+            <a:r>
+              <a:rPr lang="zh-CN" altLang="en-US" sz="1600" dirty="0">
+                <a:solidFill>
+                  <a:srgbClr val="333333"/>
+                </a:solidFill>
+                <a:latin typeface="+mn-ea"/>
+              </a:rPr>
+              <a:t>的限制；而用户通过挂载的 </a:t>
+            </a:r>
+            <a:r>
+              <a:rPr lang="en-US" altLang="zh-CN" sz="1600" dirty="0">
+                <a:solidFill>
+                  <a:srgbClr val="333333"/>
+                </a:solidFill>
+                <a:latin typeface="+mn-ea"/>
+              </a:rPr>
+              <a:t>/</a:t>
+            </a:r>
+            <a:r>
+              <a:rPr lang="en-US" altLang="zh-CN" sz="1600" dirty="0" err="1">
+                <a:solidFill>
+                  <a:srgbClr val="333333"/>
+                </a:solidFill>
+                <a:latin typeface="+mn-ea"/>
+              </a:rPr>
+              <a:t>dev</a:t>
+            </a:r>
+            <a:r>
+              <a:rPr lang="en-US" altLang="zh-CN" sz="1600" dirty="0">
+                <a:solidFill>
+                  <a:srgbClr val="333333"/>
+                </a:solidFill>
+                <a:latin typeface="+mn-ea"/>
+              </a:rPr>
+              <a:t>/</a:t>
+            </a:r>
+            <a:r>
+              <a:rPr lang="en-US" altLang="zh-CN" sz="1600" dirty="0" err="1">
+                <a:solidFill>
+                  <a:srgbClr val="333333"/>
+                </a:solidFill>
+                <a:latin typeface="+mn-ea"/>
+              </a:rPr>
+              <a:t>shm</a:t>
+            </a:r>
+            <a:r>
+              <a:rPr lang="zh-CN" altLang="en-US" sz="1600" dirty="0">
+                <a:solidFill>
+                  <a:srgbClr val="333333"/>
+                </a:solidFill>
+                <a:latin typeface="+mn-ea"/>
+              </a:rPr>
+              <a:t>，默认为物理内存的 </a:t>
+            </a:r>
+            <a:r>
+              <a:rPr lang="en-US" altLang="zh-CN" sz="1600" dirty="0">
+                <a:solidFill>
+                  <a:srgbClr val="333333"/>
+                </a:solidFill>
+                <a:latin typeface="+mn-ea"/>
+              </a:rPr>
+              <a:t>1/2</a:t>
+            </a:r>
+            <a:r>
+              <a:rPr lang="zh-CN" altLang="en-US" sz="1600" dirty="0">
+                <a:solidFill>
+                  <a:srgbClr val="333333"/>
+                </a:solidFill>
+                <a:latin typeface="+mn-ea"/>
+              </a:rPr>
+              <a:t>。</a:t>
+            </a:r>
+          </a:p>
+          <a:p>
+            <a:pPr algn="just"/>
+            <a:r>
+              <a:rPr lang="zh-CN" altLang="en-US" sz="1600" b="1" dirty="0">
+                <a:solidFill>
+                  <a:srgbClr val="333333"/>
+                </a:solidFill>
+                <a:latin typeface="+mn-ea"/>
+              </a:rPr>
+              <a:t>概括一下：</a:t>
+            </a:r>
+            <a:endParaRPr lang="zh-CN" altLang="en-US" sz="1600" dirty="0">
+              <a:solidFill>
+                <a:srgbClr val="333333"/>
+              </a:solidFill>
+              <a:latin typeface="+mn-ea"/>
+            </a:endParaRPr>
+          </a:p>
+          <a:p>
+            <a:pPr>
+              <a:buFont typeface="Arial" panose="020B0604020202020204" pitchFamily="34" charset="0"/>
+              <a:buChar char="•"/>
+            </a:pPr>
+            <a:r>
+              <a:rPr lang="en-US" altLang="zh-CN" sz="1600" dirty="0">
+                <a:latin typeface="+mn-ea"/>
+              </a:rPr>
+              <a:t>POSIX </a:t>
+            </a:r>
+            <a:r>
+              <a:rPr lang="zh-CN" altLang="en-US" sz="1600" dirty="0">
+                <a:latin typeface="+mn-ea"/>
+              </a:rPr>
+              <a:t>共享内存与 </a:t>
+            </a:r>
+            <a:r>
+              <a:rPr lang="en-US" altLang="zh-CN" sz="1600" dirty="0" err="1">
+                <a:latin typeface="+mn-ea"/>
+              </a:rPr>
+              <a:t>SystemV</a:t>
+            </a:r>
+            <a:r>
+              <a:rPr lang="en-US" altLang="zh-CN" sz="1600" dirty="0">
+                <a:latin typeface="+mn-ea"/>
+              </a:rPr>
+              <a:t> </a:t>
+            </a:r>
+            <a:r>
+              <a:rPr lang="zh-CN" altLang="en-US" sz="1600" dirty="0">
+                <a:latin typeface="+mn-ea"/>
+              </a:rPr>
+              <a:t>共享内存在内核上都是通过 </a:t>
+            </a:r>
+            <a:r>
+              <a:rPr lang="en-US" altLang="zh-CN" sz="1600" dirty="0" err="1">
+                <a:latin typeface="+mn-ea"/>
+              </a:rPr>
+              <a:t>tmpfs</a:t>
+            </a:r>
+            <a:r>
+              <a:rPr lang="en-US" altLang="zh-CN" sz="1600" dirty="0">
+                <a:latin typeface="+mn-ea"/>
+              </a:rPr>
+              <a:t> </a:t>
+            </a:r>
+            <a:r>
+              <a:rPr lang="zh-CN" altLang="en-US" sz="1600" dirty="0">
+                <a:latin typeface="+mn-ea"/>
+              </a:rPr>
+              <a:t>来实现的，但对应两个不同的 </a:t>
+            </a:r>
+            <a:r>
+              <a:rPr lang="en-US" altLang="zh-CN" sz="1600" dirty="0" err="1">
+                <a:latin typeface="+mn-ea"/>
+              </a:rPr>
+              <a:t>tmpfs</a:t>
+            </a:r>
+            <a:r>
+              <a:rPr lang="en-US" altLang="zh-CN" sz="1600" dirty="0">
+                <a:latin typeface="+mn-ea"/>
+              </a:rPr>
+              <a:t> </a:t>
+            </a:r>
+            <a:r>
+              <a:rPr lang="zh-CN" altLang="en-US" sz="1600" dirty="0">
+                <a:latin typeface="+mn-ea"/>
+              </a:rPr>
+              <a:t>实例，它们相互独立；</a:t>
+            </a:r>
+          </a:p>
+          <a:p>
+            <a:pPr>
+              <a:buFont typeface="Arial" panose="020B0604020202020204" pitchFamily="34" charset="0"/>
+              <a:buChar char="•"/>
+            </a:pPr>
+            <a:r>
+              <a:rPr lang="zh-CN" altLang="en-US" sz="1600" dirty="0">
+                <a:latin typeface="+mn-ea"/>
+              </a:rPr>
+              <a:t>通过 </a:t>
+            </a:r>
+            <a:r>
+              <a:rPr lang="en-US" altLang="zh-CN" sz="1600" dirty="0">
+                <a:latin typeface="+mn-ea"/>
+              </a:rPr>
+              <a:t>/</a:t>
+            </a:r>
+            <a:r>
+              <a:rPr lang="en-US" altLang="zh-CN" sz="1600" dirty="0" err="1">
+                <a:latin typeface="+mn-ea"/>
+              </a:rPr>
+              <a:t>proc</a:t>
+            </a:r>
+            <a:r>
+              <a:rPr lang="en-US" altLang="zh-CN" sz="1600" dirty="0">
+                <a:latin typeface="+mn-ea"/>
+              </a:rPr>
+              <a:t>/sys/kernel/</a:t>
+            </a:r>
+            <a:r>
+              <a:rPr lang="en-US" altLang="zh-CN" sz="1600" dirty="0" err="1">
+                <a:latin typeface="+mn-ea"/>
+              </a:rPr>
+              <a:t>shmmax</a:t>
+            </a:r>
+            <a:r>
+              <a:rPr lang="en-US" altLang="zh-CN" sz="1600" dirty="0">
+                <a:latin typeface="+mn-ea"/>
+              </a:rPr>
+              <a:t> </a:t>
+            </a:r>
+            <a:r>
+              <a:rPr lang="zh-CN" altLang="en-US" sz="1600" dirty="0">
+                <a:latin typeface="+mn-ea"/>
+              </a:rPr>
+              <a:t>可以限制 </a:t>
+            </a:r>
+            <a:r>
+              <a:rPr lang="en-US" altLang="zh-CN" sz="1600" dirty="0" err="1">
+                <a:latin typeface="+mn-ea"/>
+              </a:rPr>
+              <a:t>SystemV</a:t>
+            </a:r>
+            <a:r>
+              <a:rPr lang="en-US" altLang="zh-CN" sz="1600" dirty="0">
+                <a:latin typeface="+mn-ea"/>
+              </a:rPr>
+              <a:t> </a:t>
+            </a:r>
+            <a:r>
+              <a:rPr lang="zh-CN" altLang="en-US" sz="1600" dirty="0">
+                <a:latin typeface="+mn-ea"/>
+              </a:rPr>
+              <a:t>共享内存的最大值。通过 </a:t>
+            </a:r>
+            <a:r>
+              <a:rPr lang="en-US" altLang="zh-CN" sz="1600" dirty="0">
+                <a:latin typeface="+mn-ea"/>
+              </a:rPr>
+              <a:t>/</a:t>
+            </a:r>
+            <a:r>
+              <a:rPr lang="en-US" altLang="zh-CN" sz="1600" dirty="0" err="1">
+                <a:latin typeface="+mn-ea"/>
+              </a:rPr>
+              <a:t>dev</a:t>
+            </a:r>
+            <a:r>
+              <a:rPr lang="en-US" altLang="zh-CN" sz="1600" dirty="0">
+                <a:latin typeface="+mn-ea"/>
+              </a:rPr>
+              <a:t>/</a:t>
+            </a:r>
+            <a:r>
+              <a:rPr lang="en-US" altLang="zh-CN" sz="1600" dirty="0" err="1">
+                <a:latin typeface="+mn-ea"/>
+              </a:rPr>
+              <a:t>shm</a:t>
+            </a:r>
+            <a:r>
+              <a:rPr lang="en-US" altLang="zh-CN" sz="1600" dirty="0">
+                <a:latin typeface="+mn-ea"/>
+              </a:rPr>
+              <a:t> </a:t>
+            </a:r>
+            <a:r>
+              <a:rPr lang="zh-CN" altLang="en-US" sz="1600" dirty="0">
+                <a:latin typeface="+mn-ea"/>
+              </a:rPr>
+              <a:t>可以限制 </a:t>
+            </a:r>
+            <a:r>
+              <a:rPr lang="en-US" altLang="zh-CN" sz="1600" dirty="0">
+                <a:latin typeface="+mn-ea"/>
+              </a:rPr>
+              <a:t>POSIX </a:t>
+            </a:r>
+            <a:r>
+              <a:rPr lang="zh-CN" altLang="en-US" sz="1600" dirty="0">
+                <a:latin typeface="+mn-ea"/>
+              </a:rPr>
+              <a:t>共享内存的最大值（所有之和）。</a:t>
+            </a:r>
+            <a:endParaRPr lang="zh-CN" altLang="en-US" sz="1600" dirty="0">
+              <a:effectLst/>
+              <a:latin typeface="+mn-ea"/>
+            </a:endParaRPr>
+          </a:p>
+        </p:txBody>
+      </p:sp>
+      <p:sp>
+        <p:nvSpPr>
+          <p:cNvPr id="3" name="矩形 2"/>
+          <p:cNvSpPr/>
+          <p:nvPr/>
+        </p:nvSpPr>
+        <p:spPr>
+          <a:xfrm>
+            <a:off x="133081" y="6431297"/>
+            <a:ext cx="5645200" cy="369332"/>
+          </a:xfrm>
+          <a:prstGeom prst="rect">
+            <a:avLst/>
+          </a:prstGeom>
+        </p:spPr>
+        <p:txBody>
+          <a:bodyPr wrap="none">
+            <a:spAutoFit/>
+          </a:bodyPr>
+          <a:lstStyle/>
+          <a:p>
+            <a:r>
+              <a:rPr lang="zh-CN" altLang="en-US" dirty="0"/>
+              <a:t>https://mp.weixin.qq.com/s/W0FpH61r_HM7t8Xw1_Ex6A</a:t>
+            </a:r>
+          </a:p>
+        </p:txBody>
+      </p:sp>
     </p:spTree>
     <p:extLst>
       <p:ext uri="{BB962C8B-B14F-4D97-AF65-F5344CB8AC3E}">
         <p14:creationId xmlns:p14="http://schemas.microsoft.com/office/powerpoint/2010/main" val="474242397"/>
+      </p:ext>
+    </p:extLst>
+  </p:cSld>
+  <p:clrMapOvr>
+    <a:masterClrMapping/>
+  </p:clrMapOvr>
+</p:sld>
+</file>
+
+<file path=ppt/slides/slide13.xml><?xml version="1.0" encoding="utf-8"?>
+<p:sld xmlns:a="http://schemas.openxmlformats.org/drawingml/2006/main" xmlns:r="http://schemas.openxmlformats.org/officeDocument/2006/relationships" xmlns:p="http://schemas.openxmlformats.org/presentationml/2006/main">
+  <p:cSld>
+    <p:spTree>
+      <p:nvGrpSpPr>
+        <p:cNvPr id="1" name=""/>
+        <p:cNvGrpSpPr/>
+        <p:nvPr/>
+      </p:nvGrpSpPr>
+      <p:grpSpPr>
+        <a:xfrm>
+          <a:off x="0" y="0"/>
+          <a:ext cx="0" cy="0"/>
+          <a:chOff x="0" y="0"/>
+          <a:chExt cx="0" cy="0"/>
+        </a:xfrm>
+      </p:grpSpPr>
+      <p:sp>
+        <p:nvSpPr>
+          <p:cNvPr id="2" name="矩形 1"/>
+          <p:cNvSpPr/>
+          <p:nvPr/>
+        </p:nvSpPr>
+        <p:spPr>
+          <a:xfrm>
+            <a:off x="0" y="154546"/>
+            <a:ext cx="12093262" cy="6078433"/>
+          </a:xfrm>
+          <a:prstGeom prst="rect">
+            <a:avLst/>
+          </a:prstGeom>
+        </p:spPr>
+        <p:txBody>
+          <a:bodyPr wrap="square">
+            <a:spAutoFit/>
+          </a:bodyPr>
+          <a:lstStyle/>
+          <a:p>
+            <a:r>
+              <a:rPr lang="en-US" altLang="zh-CN" sz="1400" dirty="0" smtClean="0">
+                <a:solidFill>
+                  <a:srgbClr val="333333"/>
+                </a:solidFill>
+                <a:latin typeface="+mn-ea"/>
+              </a:rPr>
+              <a:t>Windows:  </a:t>
+            </a:r>
+            <a:r>
+              <a:rPr lang="zh-CN" altLang="en-US" sz="1400" dirty="0" smtClean="0">
+                <a:solidFill>
+                  <a:srgbClr val="333333"/>
+                </a:solidFill>
+                <a:latin typeface="+mn-ea"/>
+              </a:rPr>
+              <a:t>常规 </a:t>
+            </a:r>
+            <a:r>
+              <a:rPr lang="en-US" altLang="zh-CN" sz="1400" dirty="0">
+                <a:solidFill>
+                  <a:srgbClr val="333333"/>
+                </a:solidFill>
+                <a:latin typeface="+mn-ea"/>
+              </a:rPr>
+              <a:t>Workload controller</a:t>
+            </a:r>
+            <a:r>
+              <a:rPr lang="zh-CN" altLang="en-US" sz="1400" dirty="0">
+                <a:solidFill>
+                  <a:srgbClr val="333333"/>
+                </a:solidFill>
+                <a:latin typeface="+mn-ea"/>
+              </a:rPr>
+              <a:t>：</a:t>
+            </a:r>
+            <a:r>
+              <a:rPr lang="en-US" altLang="zh-CN" sz="1400" dirty="0">
+                <a:solidFill>
+                  <a:srgbClr val="333333"/>
+                </a:solidFill>
+                <a:latin typeface="+mn-ea"/>
+              </a:rPr>
+              <a:t>RS</a:t>
+            </a:r>
+            <a:r>
+              <a:rPr lang="zh-CN" altLang="en-US" sz="1400" dirty="0">
+                <a:solidFill>
+                  <a:srgbClr val="333333"/>
+                </a:solidFill>
+                <a:latin typeface="+mn-ea"/>
+              </a:rPr>
+              <a:t>、</a:t>
+            </a:r>
+            <a:r>
+              <a:rPr lang="en-US" altLang="zh-CN" sz="1400" dirty="0">
+                <a:solidFill>
+                  <a:srgbClr val="333333"/>
+                </a:solidFill>
+                <a:latin typeface="+mn-ea"/>
+              </a:rPr>
+              <a:t>deployment</a:t>
+            </a:r>
+            <a:r>
+              <a:rPr lang="zh-CN" altLang="en-US" sz="1400" dirty="0">
+                <a:solidFill>
+                  <a:srgbClr val="333333"/>
+                </a:solidFill>
+                <a:latin typeface="+mn-ea"/>
+              </a:rPr>
+              <a:t>、</a:t>
+            </a:r>
+            <a:r>
+              <a:rPr lang="en-US" altLang="zh-CN" sz="1400" dirty="0" err="1">
+                <a:solidFill>
+                  <a:srgbClr val="333333"/>
+                </a:solidFill>
+                <a:latin typeface="+mn-ea"/>
+              </a:rPr>
+              <a:t>statefulset</a:t>
+            </a:r>
+            <a:r>
+              <a:rPr lang="zh-CN" altLang="en-US" sz="1400" dirty="0">
+                <a:solidFill>
+                  <a:srgbClr val="333333"/>
+                </a:solidFill>
+                <a:latin typeface="+mn-ea"/>
+              </a:rPr>
+              <a:t>、</a:t>
+            </a:r>
+            <a:r>
+              <a:rPr lang="en-US" altLang="zh-CN" sz="1400" dirty="0" err="1">
+                <a:solidFill>
+                  <a:srgbClr val="333333"/>
+                </a:solidFill>
+                <a:latin typeface="+mn-ea"/>
+              </a:rPr>
+              <a:t>daemonset</a:t>
+            </a:r>
+            <a:r>
+              <a:rPr lang="zh-CN" altLang="en-US" sz="1400" dirty="0">
+                <a:solidFill>
+                  <a:srgbClr val="333333"/>
+                </a:solidFill>
+                <a:latin typeface="+mn-ea"/>
+              </a:rPr>
+              <a:t>、</a:t>
+            </a:r>
+            <a:r>
+              <a:rPr lang="en-US" altLang="zh-CN" sz="1400" dirty="0">
+                <a:solidFill>
+                  <a:srgbClr val="333333"/>
+                </a:solidFill>
+                <a:latin typeface="+mn-ea"/>
+              </a:rPr>
+              <a:t>job</a:t>
+            </a:r>
+            <a:r>
+              <a:rPr lang="zh-CN" altLang="en-US" sz="1400" dirty="0">
+                <a:solidFill>
+                  <a:srgbClr val="333333"/>
+                </a:solidFill>
+                <a:latin typeface="+mn-ea"/>
+              </a:rPr>
+              <a:t>、</a:t>
+            </a:r>
+            <a:r>
+              <a:rPr lang="en-US" altLang="zh-CN" sz="1400" dirty="0" err="1">
+                <a:solidFill>
+                  <a:srgbClr val="333333"/>
+                </a:solidFill>
+                <a:latin typeface="+mn-ea"/>
+              </a:rPr>
+              <a:t>cronjob</a:t>
+            </a:r>
+            <a:r>
+              <a:rPr lang="en-US" altLang="zh-CN" sz="1400" dirty="0">
+                <a:solidFill>
+                  <a:srgbClr val="333333"/>
+                </a:solidFill>
+                <a:latin typeface="+mn-ea"/>
+              </a:rPr>
+              <a:t> </a:t>
+            </a:r>
+            <a:r>
+              <a:rPr lang="zh-CN" altLang="en-US" sz="1400" dirty="0">
+                <a:solidFill>
+                  <a:srgbClr val="333333"/>
+                </a:solidFill>
+                <a:latin typeface="+mn-ea"/>
+              </a:rPr>
+              <a:t>均支持 </a:t>
+            </a:r>
+            <a:r>
+              <a:rPr lang="en-US" altLang="zh-CN" sz="1400" dirty="0">
+                <a:solidFill>
+                  <a:srgbClr val="333333"/>
+                </a:solidFill>
+                <a:latin typeface="+mn-ea"/>
+              </a:rPr>
+              <a:t>windows </a:t>
+            </a:r>
+            <a:r>
+              <a:rPr lang="zh-CN" altLang="en-US" sz="1400" dirty="0" smtClean="0">
+                <a:solidFill>
+                  <a:srgbClr val="333333"/>
+                </a:solidFill>
+                <a:latin typeface="+mn-ea"/>
+              </a:rPr>
+              <a:t>容器</a:t>
+            </a:r>
+            <a:endParaRPr lang="en-US" altLang="zh-CN" sz="1400" dirty="0" smtClean="0">
+              <a:solidFill>
+                <a:srgbClr val="333333"/>
+              </a:solidFill>
+              <a:latin typeface="+mn-ea"/>
+            </a:endParaRPr>
+          </a:p>
+          <a:p>
+            <a:endParaRPr lang="en-US" altLang="zh-CN" sz="1400" dirty="0" smtClean="0">
+              <a:solidFill>
+                <a:srgbClr val="333333"/>
+              </a:solidFill>
+              <a:latin typeface="+mn-ea"/>
+            </a:endParaRPr>
+          </a:p>
+          <a:p>
+            <a:r>
+              <a:rPr lang="zh-CN" altLang="en-US" sz="1400" dirty="0" smtClean="0">
+                <a:solidFill>
+                  <a:srgbClr val="333333"/>
+                </a:solidFill>
+                <a:latin typeface="+mn-ea"/>
+              </a:rPr>
+              <a:t>存储</a:t>
+            </a:r>
+            <a:r>
+              <a:rPr lang="en-US" altLang="zh-CN" sz="1400" dirty="0" smtClean="0">
+                <a:solidFill>
+                  <a:srgbClr val="333333"/>
+                </a:solidFill>
+                <a:latin typeface="+mn-ea"/>
+              </a:rPr>
+              <a:t>: </a:t>
+            </a:r>
+            <a:r>
+              <a:rPr lang="en-US" altLang="zh-CN" sz="1400" dirty="0" smtClean="0">
+                <a:latin typeface="+mn-ea"/>
+              </a:rPr>
+              <a:t>Local </a:t>
+            </a:r>
+            <a:r>
+              <a:rPr lang="en-US" altLang="zh-CN" sz="1400" dirty="0">
+                <a:latin typeface="+mn-ea"/>
+              </a:rPr>
+              <a:t>PV </a:t>
+            </a:r>
+            <a:r>
+              <a:rPr lang="zh-CN" altLang="en-US" sz="1400" dirty="0">
+                <a:latin typeface="+mn-ea"/>
+              </a:rPr>
+              <a:t>在时延性、易用性、稳定性和费用上具有独特的优势，尤其是对于相关特性比较敏感的应用，如数据库应用和搜索引擎应用来说，有着重要的</a:t>
+            </a:r>
+            <a:r>
+              <a:rPr lang="zh-CN" altLang="en-US" sz="1400" dirty="0" smtClean="0">
+                <a:latin typeface="+mn-ea"/>
+              </a:rPr>
+              <a:t>意义</a:t>
+            </a:r>
+            <a:endParaRPr lang="en-US" altLang="zh-CN" sz="1400" dirty="0" smtClean="0">
+              <a:latin typeface="+mn-ea"/>
+            </a:endParaRPr>
+          </a:p>
+          <a:p>
+            <a:endParaRPr lang="en-US" altLang="zh-CN" sz="1400" dirty="0" smtClean="0">
+              <a:latin typeface="+mn-ea"/>
+            </a:endParaRPr>
+          </a:p>
+          <a:p>
+            <a:r>
+              <a:rPr lang="zh-CN" altLang="en-US" sz="1400" dirty="0" smtClean="0">
+                <a:latin typeface="+mn-ea"/>
+              </a:rPr>
+              <a:t>调度</a:t>
+            </a:r>
+            <a:r>
+              <a:rPr lang="en-US" altLang="zh-CN" sz="1400" dirty="0" smtClean="0">
+                <a:latin typeface="+mn-ea"/>
+              </a:rPr>
+              <a:t>: </a:t>
+            </a:r>
+            <a:r>
+              <a:rPr lang="en-US" altLang="zh-CN" sz="1400" dirty="0" err="1" smtClean="0">
+                <a:latin typeface="+mn-ea"/>
+              </a:rPr>
+              <a:t>Kubernetes</a:t>
+            </a:r>
+            <a:r>
+              <a:rPr lang="en-US" altLang="zh-CN" sz="1400" dirty="0" smtClean="0">
+                <a:latin typeface="+mn-ea"/>
+              </a:rPr>
+              <a:t> </a:t>
+            </a:r>
+            <a:r>
+              <a:rPr lang="zh-CN" altLang="en-US" sz="1400" dirty="0">
+                <a:latin typeface="+mn-ea"/>
+              </a:rPr>
+              <a:t>里的任务优先级（</a:t>
+            </a:r>
+            <a:r>
+              <a:rPr lang="en-US" altLang="zh-CN" sz="1400" dirty="0">
+                <a:latin typeface="+mn-ea"/>
+              </a:rPr>
+              <a:t>priority</a:t>
+            </a:r>
+            <a:r>
+              <a:rPr lang="zh-CN" altLang="en-US" sz="1400" dirty="0">
+                <a:latin typeface="+mn-ea"/>
+              </a:rPr>
+              <a:t>）和抢占机制（</a:t>
+            </a:r>
+            <a:r>
+              <a:rPr lang="en-US" altLang="zh-CN" sz="1400" dirty="0">
+                <a:latin typeface="+mn-ea"/>
+              </a:rPr>
+              <a:t>preemption</a:t>
+            </a:r>
+            <a:r>
+              <a:rPr lang="zh-CN" altLang="en-US" sz="1400" dirty="0">
+                <a:latin typeface="+mn-ea"/>
+              </a:rPr>
+              <a:t>）的目的十分明确：保证高优先级的任务可以在需要的时候通过抢占低优先级任务的方式得到</a:t>
+            </a:r>
+            <a:r>
+              <a:rPr lang="zh-CN" altLang="en-US" sz="1400" dirty="0" smtClean="0">
+                <a:latin typeface="+mn-ea"/>
+              </a:rPr>
+              <a:t>运行</a:t>
+            </a:r>
+            <a:endParaRPr lang="en-US" altLang="zh-CN" sz="1400" dirty="0" smtClean="0">
+              <a:latin typeface="+mn-ea"/>
+            </a:endParaRPr>
+          </a:p>
+          <a:p>
+            <a:endParaRPr lang="en-US" altLang="zh-CN" sz="1400" dirty="0" smtClean="0">
+              <a:latin typeface="+mn-ea"/>
+            </a:endParaRPr>
+          </a:p>
+          <a:p>
+            <a:r>
+              <a:rPr lang="en-US" altLang="zh-CN" sz="1400" dirty="0" smtClean="0">
+                <a:latin typeface="+mn-ea"/>
+              </a:rPr>
+              <a:t>Pod</a:t>
+            </a:r>
+            <a:r>
+              <a:rPr lang="zh-CN" altLang="en-US" sz="1400" dirty="0" smtClean="0">
+                <a:latin typeface="+mn-ea"/>
+              </a:rPr>
+              <a:t>管理</a:t>
+            </a:r>
+            <a:r>
+              <a:rPr lang="en-US" altLang="zh-CN" sz="1400" dirty="0" smtClean="0">
+                <a:latin typeface="+mn-ea"/>
+              </a:rPr>
+              <a:t>: </a:t>
+            </a:r>
+            <a:r>
+              <a:rPr lang="zh-CN" altLang="en-US" sz="1400" dirty="0" smtClean="0">
+                <a:latin typeface="+mn-ea"/>
+              </a:rPr>
+              <a:t>为了</a:t>
+            </a:r>
+            <a:r>
+              <a:rPr lang="zh-CN" altLang="en-US" sz="1400" dirty="0">
+                <a:latin typeface="+mn-ea"/>
+              </a:rPr>
+              <a:t>确认 </a:t>
+            </a:r>
+            <a:r>
+              <a:rPr lang="en-US" altLang="zh-CN" sz="1400" dirty="0">
+                <a:latin typeface="+mn-ea"/>
+              </a:rPr>
+              <a:t>Pod </a:t>
+            </a:r>
+            <a:r>
+              <a:rPr lang="zh-CN" altLang="en-US" sz="1400" dirty="0">
+                <a:latin typeface="+mn-ea"/>
+              </a:rPr>
+              <a:t>确实可以正常可用，我们希望给它增加一些外部指标（比如，该 </a:t>
+            </a:r>
+            <a:r>
+              <a:rPr lang="en-US" altLang="zh-CN" sz="1400" dirty="0">
+                <a:latin typeface="+mn-ea"/>
+              </a:rPr>
+              <a:t>Pod </a:t>
+            </a:r>
+            <a:r>
+              <a:rPr lang="zh-CN" altLang="en-US" sz="1400" dirty="0">
+                <a:latin typeface="+mn-ea"/>
+              </a:rPr>
+              <a:t>需要的 </a:t>
+            </a:r>
+            <a:r>
+              <a:rPr lang="en-US" altLang="zh-CN" sz="1400" dirty="0">
+                <a:latin typeface="+mn-ea"/>
+              </a:rPr>
+              <a:t>Service</a:t>
+            </a:r>
+            <a:r>
+              <a:rPr lang="zh-CN" altLang="en-US" sz="1400" dirty="0">
+                <a:latin typeface="+mn-ea"/>
+              </a:rPr>
+              <a:t>，</a:t>
+            </a:r>
+            <a:r>
+              <a:rPr lang="en-US" altLang="zh-CN" sz="1400" dirty="0">
+                <a:latin typeface="+mn-ea"/>
+              </a:rPr>
+              <a:t>DNS</a:t>
+            </a:r>
+            <a:r>
+              <a:rPr lang="zh-CN" altLang="en-US" sz="1400" dirty="0">
+                <a:latin typeface="+mn-ea"/>
+              </a:rPr>
+              <a:t>，存储等服务全部就绪），来反应这个 </a:t>
+            </a:r>
+            <a:r>
+              <a:rPr lang="en-US" altLang="zh-CN" sz="1400" dirty="0">
+                <a:latin typeface="+mn-ea"/>
+              </a:rPr>
+              <a:t>Pod </a:t>
+            </a:r>
+            <a:r>
+              <a:rPr lang="zh-CN" altLang="en-US" sz="1400" dirty="0">
+                <a:latin typeface="+mn-ea"/>
+              </a:rPr>
+              <a:t>是否“真正”</a:t>
+            </a:r>
+            <a:r>
+              <a:rPr lang="en-US" altLang="zh-CN" sz="1400" dirty="0">
+                <a:latin typeface="+mn-ea"/>
+              </a:rPr>
+              <a:t>Ready</a:t>
+            </a:r>
+            <a:r>
+              <a:rPr lang="zh-CN" altLang="en-US" sz="1400" dirty="0" smtClean="0">
+                <a:latin typeface="+mn-ea"/>
+              </a:rPr>
+              <a:t>。</a:t>
+            </a:r>
+            <a:endParaRPr lang="zh-CN" altLang="en-US" sz="1400" dirty="0">
+              <a:latin typeface="+mn-ea"/>
+            </a:endParaRPr>
+          </a:p>
+          <a:p>
+            <a:r>
+              <a:rPr lang="zh-CN" altLang="en-US" sz="1400" dirty="0">
+                <a:latin typeface="+mn-ea"/>
+              </a:rPr>
+              <a:t>这个特性，就是 </a:t>
+            </a:r>
+            <a:r>
+              <a:rPr lang="en-US" altLang="zh-CN" sz="1400" dirty="0">
+                <a:latin typeface="+mn-ea"/>
+              </a:rPr>
+              <a:t>1.14 </a:t>
+            </a:r>
+            <a:r>
+              <a:rPr lang="zh-CN" altLang="en-US" sz="1400" dirty="0">
+                <a:latin typeface="+mn-ea"/>
+              </a:rPr>
+              <a:t>里一个叫做“</a:t>
+            </a:r>
+            <a:r>
+              <a:rPr lang="en-US" altLang="zh-CN" sz="1400" dirty="0">
+                <a:latin typeface="+mn-ea"/>
+              </a:rPr>
+              <a:t>Pod Readiness Gates”</a:t>
+            </a:r>
+            <a:r>
+              <a:rPr lang="zh-CN" altLang="en-US" sz="1400" dirty="0">
+                <a:latin typeface="+mn-ea"/>
+              </a:rPr>
+              <a:t>、也叫做 </a:t>
+            </a:r>
+            <a:r>
+              <a:rPr lang="en-US" altLang="zh-CN" sz="1400" dirty="0">
+                <a:latin typeface="+mn-ea"/>
+              </a:rPr>
+              <a:t>Pod Ready ++ </a:t>
+            </a:r>
+            <a:r>
+              <a:rPr lang="zh-CN" altLang="en-US" sz="1400" dirty="0">
+                <a:latin typeface="+mn-ea"/>
+              </a:rPr>
+              <a:t>的</a:t>
+            </a:r>
+            <a:r>
+              <a:rPr lang="zh-CN" altLang="en-US" sz="1400" dirty="0" smtClean="0">
+                <a:latin typeface="+mn-ea"/>
+              </a:rPr>
+              <a:t>特性</a:t>
+            </a:r>
+            <a:endParaRPr lang="en-US" altLang="zh-CN" sz="1400" dirty="0" smtClean="0">
+              <a:latin typeface="+mn-ea"/>
+            </a:endParaRPr>
+          </a:p>
+          <a:p>
+            <a:endParaRPr lang="en-US" altLang="zh-CN" sz="1400" dirty="0" smtClean="0">
+              <a:latin typeface="+mn-ea"/>
+            </a:endParaRPr>
+          </a:p>
+          <a:p>
+            <a:r>
+              <a:rPr lang="zh-CN" altLang="en-US" sz="1400" dirty="0" smtClean="0">
+                <a:latin typeface="+mn-ea"/>
+              </a:rPr>
+              <a:t>应用管理</a:t>
+            </a:r>
+            <a:r>
+              <a:rPr lang="en-US" altLang="zh-CN" sz="1400" dirty="0" smtClean="0">
+                <a:latin typeface="+mn-ea"/>
+              </a:rPr>
+              <a:t>: </a:t>
+            </a:r>
+            <a:r>
+              <a:rPr lang="en-US" altLang="zh-CN" sz="1400" dirty="0" err="1" smtClean="0">
+                <a:latin typeface="+mn-ea"/>
+              </a:rPr>
+              <a:t>Kustomize</a:t>
+            </a:r>
+            <a:r>
+              <a:rPr lang="en-US" altLang="zh-CN" sz="1400" dirty="0" smtClean="0">
+                <a:latin typeface="+mn-ea"/>
+              </a:rPr>
+              <a:t> </a:t>
+            </a:r>
+            <a:r>
+              <a:rPr lang="zh-CN" altLang="en-US" sz="1400" dirty="0">
+                <a:latin typeface="+mn-ea"/>
+              </a:rPr>
+              <a:t>允许用户从一个基础  </a:t>
+            </a:r>
+            <a:r>
+              <a:rPr lang="en-US" altLang="zh-CN" sz="1400" dirty="0">
+                <a:latin typeface="+mn-ea"/>
+              </a:rPr>
+              <a:t>YAML </a:t>
+            </a:r>
+            <a:r>
+              <a:rPr lang="zh-CN" altLang="en-US" sz="1400" dirty="0">
+                <a:latin typeface="+mn-ea"/>
+              </a:rPr>
+              <a:t>文件，通过 </a:t>
+            </a:r>
+            <a:r>
+              <a:rPr lang="en-US" altLang="zh-CN" sz="1400" dirty="0">
+                <a:latin typeface="+mn-ea"/>
+              </a:rPr>
+              <a:t>overlay </a:t>
+            </a:r>
+            <a:r>
+              <a:rPr lang="zh-CN" altLang="en-US" sz="1400" dirty="0">
+                <a:latin typeface="+mn-ea"/>
+              </a:rPr>
+              <a:t>的方式生成最终部署应用所需的 </a:t>
+            </a:r>
+            <a:r>
+              <a:rPr lang="en-US" altLang="zh-CN" sz="1400" dirty="0">
+                <a:latin typeface="+mn-ea"/>
+              </a:rPr>
+              <a:t>YAML </a:t>
+            </a:r>
+            <a:r>
+              <a:rPr lang="zh-CN" altLang="en-US" sz="1400" dirty="0">
+                <a:latin typeface="+mn-ea"/>
+              </a:rPr>
+              <a:t>文件，而不是像 </a:t>
+            </a:r>
+            <a:r>
+              <a:rPr lang="en-US" altLang="zh-CN" sz="1400" dirty="0">
+                <a:latin typeface="+mn-ea"/>
+              </a:rPr>
+              <a:t>Helm </a:t>
+            </a:r>
+            <a:r>
+              <a:rPr lang="zh-CN" altLang="en-US" sz="1400" dirty="0">
+                <a:latin typeface="+mn-ea"/>
+              </a:rPr>
+              <a:t>那样通过字符串替换的方式来直接修改基础 </a:t>
+            </a:r>
+            <a:r>
+              <a:rPr lang="en-US" altLang="zh-CN" sz="1400" dirty="0">
+                <a:latin typeface="+mn-ea"/>
+              </a:rPr>
+              <a:t>YAML </a:t>
+            </a:r>
+            <a:r>
+              <a:rPr lang="zh-CN" altLang="en-US" sz="1400" dirty="0">
+                <a:latin typeface="+mn-ea"/>
+              </a:rPr>
+              <a:t>文件（模板</a:t>
+            </a:r>
+            <a:r>
+              <a:rPr lang="zh-CN" altLang="en-US" sz="1400" dirty="0" smtClean="0">
+                <a:latin typeface="+mn-ea"/>
+              </a:rPr>
+              <a:t>）</a:t>
+            </a:r>
+            <a:endParaRPr lang="en-US" altLang="zh-CN" sz="1400" dirty="0" smtClean="0">
+              <a:latin typeface="+mn-ea"/>
+            </a:endParaRPr>
+          </a:p>
+          <a:p>
+            <a:endParaRPr lang="en-US" altLang="zh-CN" sz="1400" dirty="0" smtClean="0">
+              <a:latin typeface="+mn-ea"/>
+            </a:endParaRPr>
+          </a:p>
+          <a:p>
+            <a:r>
+              <a:rPr lang="zh-CN" altLang="en-US" sz="1400" dirty="0" smtClean="0">
+                <a:latin typeface="+mn-ea"/>
+              </a:rPr>
+              <a:t>用户体验：在</a:t>
+            </a:r>
+            <a:r>
+              <a:rPr lang="en-US" altLang="zh-CN" sz="1400" dirty="0">
+                <a:latin typeface="+mn-ea"/>
+              </a:rPr>
+              <a:t>1.14</a:t>
+            </a:r>
+            <a:r>
+              <a:rPr lang="zh-CN" altLang="en-US" sz="1400" dirty="0">
+                <a:latin typeface="+mn-ea"/>
+              </a:rPr>
+              <a:t>中，蚂蚁金服的工程师提交了一个拷贝操作的通配符</a:t>
+            </a:r>
+            <a:r>
+              <a:rPr lang="zh-CN" altLang="en-US" sz="1400" dirty="0" smtClean="0">
+                <a:latin typeface="+mn-ea"/>
+              </a:rPr>
+              <a:t>功能</a:t>
+            </a:r>
+            <a:endParaRPr lang="en-US" altLang="zh-CN" sz="1400" dirty="0" smtClean="0">
+              <a:latin typeface="+mn-ea"/>
+            </a:endParaRPr>
+          </a:p>
+          <a:p>
+            <a:r>
+              <a:rPr lang="en-US" altLang="zh-CN" sz="1400" dirty="0" smtClean="0">
+                <a:latin typeface="+mn-ea"/>
+              </a:rPr>
+              <a:t>v1.14</a:t>
+            </a:r>
+            <a:r>
+              <a:rPr lang="zh-CN" altLang="en-US" sz="1400" dirty="0">
+                <a:latin typeface="+mn-ea"/>
+              </a:rPr>
+              <a:t>开始，用户可以通过 </a:t>
+            </a:r>
+            <a:r>
+              <a:rPr lang="en-US" altLang="zh-CN" sz="1400" dirty="0" err="1">
+                <a:latin typeface="+mn-ea"/>
+              </a:rPr>
+              <a:t>kubectl</a:t>
+            </a:r>
+            <a:r>
+              <a:rPr lang="en-US" altLang="zh-CN" sz="1400" dirty="0">
+                <a:latin typeface="+mn-ea"/>
+              </a:rPr>
+              <a:t> </a:t>
+            </a:r>
+            <a:r>
+              <a:rPr lang="en-US" altLang="zh-CN" sz="1400" dirty="0" err="1">
+                <a:latin typeface="+mn-ea"/>
+              </a:rPr>
+              <a:t>auth</a:t>
+            </a:r>
+            <a:r>
+              <a:rPr lang="en-US" altLang="zh-CN" sz="1400" dirty="0">
+                <a:latin typeface="+mn-ea"/>
+              </a:rPr>
+              <a:t> can-</a:t>
+            </a:r>
+            <a:r>
+              <a:rPr lang="en-US" altLang="zh-CN" sz="1400" dirty="0" err="1">
+                <a:latin typeface="+mn-ea"/>
+              </a:rPr>
+              <a:t>i</a:t>
+            </a:r>
+            <a:r>
+              <a:rPr lang="en-US" altLang="zh-CN" sz="1400" dirty="0">
+                <a:latin typeface="+mn-ea"/>
+              </a:rPr>
+              <a:t> --list --namespace=ns1  </a:t>
+            </a:r>
+            <a:r>
+              <a:rPr lang="zh-CN" altLang="en-US" sz="1400" dirty="0">
+                <a:latin typeface="+mn-ea"/>
+              </a:rPr>
+              <a:t>来查看自己在 </a:t>
+            </a:r>
+            <a:r>
+              <a:rPr lang="en-US" altLang="zh-CN" sz="1400" dirty="0">
+                <a:latin typeface="+mn-ea"/>
+              </a:rPr>
+              <a:t>ns1 </a:t>
+            </a:r>
+            <a:r>
+              <a:rPr lang="zh-CN" altLang="en-US" sz="1400" dirty="0">
+                <a:latin typeface="+mn-ea"/>
+              </a:rPr>
+              <a:t>这个</a:t>
+            </a:r>
+            <a:r>
+              <a:rPr lang="en-US" altLang="zh-CN" sz="1400" dirty="0">
+                <a:latin typeface="+mn-ea"/>
+              </a:rPr>
+              <a:t>namespace</a:t>
+            </a:r>
+            <a:r>
+              <a:rPr lang="zh-CN" altLang="en-US" sz="1400" dirty="0">
+                <a:latin typeface="+mn-ea"/>
+              </a:rPr>
+              <a:t>下可以访问哪些资源 （比如</a:t>
+            </a:r>
+            <a:r>
+              <a:rPr lang="en-US" altLang="zh-CN" sz="1400" dirty="0">
+                <a:latin typeface="+mn-ea"/>
+              </a:rPr>
+              <a:t>Pod</a:t>
+            </a:r>
+            <a:r>
+              <a:rPr lang="zh-CN" altLang="en-US" sz="1400" dirty="0">
+                <a:latin typeface="+mn-ea"/>
+              </a:rPr>
+              <a:t>，</a:t>
+            </a:r>
+            <a:r>
+              <a:rPr lang="en-US" altLang="zh-CN" sz="1400" dirty="0">
+                <a:latin typeface="+mn-ea"/>
+              </a:rPr>
+              <a:t>Service</a:t>
+            </a:r>
+            <a:r>
+              <a:rPr lang="zh-CN" altLang="en-US" sz="1400" dirty="0">
+                <a:latin typeface="+mn-ea"/>
+              </a:rPr>
+              <a:t>等），并有哪些操作的权限（比如</a:t>
+            </a:r>
+            <a:r>
+              <a:rPr lang="en-US" altLang="zh-CN" sz="1400" dirty="0">
+                <a:latin typeface="+mn-ea"/>
+              </a:rPr>
+              <a:t>Get</a:t>
+            </a:r>
+            <a:r>
+              <a:rPr lang="zh-CN" altLang="en-US" sz="1400" dirty="0">
+                <a:latin typeface="+mn-ea"/>
+              </a:rPr>
+              <a:t>，</a:t>
+            </a:r>
+            <a:r>
+              <a:rPr lang="en-US" altLang="zh-CN" sz="1400" dirty="0">
+                <a:latin typeface="+mn-ea"/>
+              </a:rPr>
+              <a:t>List</a:t>
+            </a:r>
+            <a:r>
+              <a:rPr lang="zh-CN" altLang="en-US" sz="1400" dirty="0">
+                <a:latin typeface="+mn-ea"/>
+              </a:rPr>
+              <a:t>，</a:t>
+            </a:r>
+            <a:r>
+              <a:rPr lang="en-US" altLang="zh-CN" sz="1400" dirty="0">
+                <a:latin typeface="+mn-ea"/>
+              </a:rPr>
+              <a:t>Patch</a:t>
+            </a:r>
+            <a:r>
+              <a:rPr lang="zh-CN" altLang="en-US" sz="1400" dirty="0">
+                <a:latin typeface="+mn-ea"/>
+              </a:rPr>
+              <a:t>，</a:t>
+            </a:r>
+            <a:r>
+              <a:rPr lang="en-US" altLang="zh-CN" sz="1400" dirty="0">
+                <a:latin typeface="+mn-ea"/>
+              </a:rPr>
+              <a:t>Delete</a:t>
+            </a:r>
+            <a:r>
+              <a:rPr lang="zh-CN" altLang="en-US" sz="1400" dirty="0">
+                <a:latin typeface="+mn-ea"/>
+              </a:rPr>
+              <a:t>等）了</a:t>
+            </a:r>
+            <a:r>
+              <a:rPr lang="zh-CN" altLang="en-US" sz="1400" dirty="0" smtClean="0">
+                <a:latin typeface="+mn-ea"/>
+              </a:rPr>
+              <a:t>。</a:t>
+            </a:r>
+            <a:endParaRPr lang="en-US" altLang="zh-CN" sz="1400" dirty="0" smtClean="0">
+              <a:latin typeface="+mn-ea"/>
+            </a:endParaRPr>
+          </a:p>
+          <a:p>
+            <a:r>
+              <a:rPr lang="zh-CN" altLang="en-US" sz="1400" dirty="0" smtClean="0">
+                <a:latin typeface="+mn-ea"/>
+              </a:rPr>
+              <a:t>在</a:t>
+            </a:r>
+            <a:r>
+              <a:rPr lang="en-US" altLang="zh-CN" sz="1400" dirty="0">
+                <a:latin typeface="+mn-ea"/>
+              </a:rPr>
+              <a:t>v1.14</a:t>
+            </a:r>
+            <a:r>
+              <a:rPr lang="zh-CN" altLang="en-US" sz="1400" dirty="0">
+                <a:latin typeface="+mn-ea"/>
+              </a:rPr>
+              <a:t>新版本中，用户终于可以借助于 </a:t>
+            </a:r>
+            <a:r>
+              <a:rPr lang="en-US" altLang="zh-CN" sz="1400" dirty="0" err="1">
+                <a:latin typeface="+mn-ea"/>
+              </a:rPr>
+              <a:t>kubectl</a:t>
+            </a:r>
+            <a:r>
+              <a:rPr lang="en-US" altLang="zh-CN" sz="1400" dirty="0">
+                <a:latin typeface="+mn-ea"/>
+              </a:rPr>
+              <a:t> delete xxx --all-namespaces  </a:t>
+            </a:r>
+            <a:r>
+              <a:rPr lang="zh-CN" altLang="en-US" sz="1400" dirty="0">
+                <a:latin typeface="+mn-ea"/>
+              </a:rPr>
+              <a:t>来进行统一的删除操作了（这里 </a:t>
+            </a:r>
+            <a:r>
+              <a:rPr lang="en-US" altLang="zh-CN" sz="1400" dirty="0">
+                <a:latin typeface="+mn-ea"/>
+              </a:rPr>
+              <a:t>XXX </a:t>
+            </a:r>
+            <a:r>
+              <a:rPr lang="zh-CN" altLang="en-US" sz="1400" dirty="0">
+                <a:latin typeface="+mn-ea"/>
+              </a:rPr>
+              <a:t>可以是</a:t>
+            </a:r>
+            <a:r>
+              <a:rPr lang="en-US" altLang="zh-CN" sz="1400" dirty="0">
+                <a:latin typeface="+mn-ea"/>
+              </a:rPr>
+              <a:t>Pod</a:t>
+            </a:r>
+            <a:r>
+              <a:rPr lang="zh-CN" altLang="en-US" sz="1400" dirty="0">
+                <a:latin typeface="+mn-ea"/>
+              </a:rPr>
+              <a:t>，</a:t>
+            </a:r>
+            <a:r>
+              <a:rPr lang="en-US" altLang="zh-CN" sz="1400" dirty="0">
+                <a:latin typeface="+mn-ea"/>
+              </a:rPr>
+              <a:t>Services</a:t>
+            </a:r>
+            <a:r>
+              <a:rPr lang="zh-CN" altLang="en-US" sz="1400" dirty="0">
+                <a:latin typeface="+mn-ea"/>
+              </a:rPr>
+              <a:t>，</a:t>
+            </a:r>
+            <a:r>
+              <a:rPr lang="en-US" altLang="zh-CN" sz="1400" dirty="0">
+                <a:latin typeface="+mn-ea"/>
+              </a:rPr>
+              <a:t>Deployment</a:t>
+            </a:r>
+            <a:r>
+              <a:rPr lang="zh-CN" altLang="en-US" sz="1400" dirty="0">
+                <a:latin typeface="+mn-ea"/>
+              </a:rPr>
+              <a:t>，自定义的</a:t>
+            </a:r>
+            <a:r>
+              <a:rPr lang="en-US" altLang="zh-CN" sz="1400" dirty="0">
+                <a:latin typeface="+mn-ea"/>
+              </a:rPr>
+              <a:t>CRD</a:t>
+            </a:r>
+            <a:r>
+              <a:rPr lang="zh-CN" altLang="en-US" sz="1400" dirty="0">
+                <a:latin typeface="+mn-ea"/>
+              </a:rPr>
+              <a:t>等等），并且还可以配合 </a:t>
+            </a:r>
+            <a:r>
+              <a:rPr lang="en-US" altLang="zh-CN" sz="1400" dirty="0">
+                <a:latin typeface="+mn-ea"/>
+              </a:rPr>
+              <a:t>-l </a:t>
+            </a:r>
+            <a:r>
+              <a:rPr lang="zh-CN" altLang="en-US" sz="1400" dirty="0">
+                <a:latin typeface="+mn-ea"/>
+              </a:rPr>
+              <a:t>和 </a:t>
+            </a:r>
+            <a:r>
+              <a:rPr lang="en-US" altLang="zh-CN" sz="1400" dirty="0">
+                <a:latin typeface="+mn-ea"/>
+              </a:rPr>
+              <a:t>--field-selector </a:t>
+            </a:r>
+            <a:r>
+              <a:rPr lang="zh-CN" altLang="en-US" sz="1400" dirty="0">
+                <a:latin typeface="+mn-ea"/>
+              </a:rPr>
+              <a:t>可以更精确地删除满足特定条件的资源</a:t>
+            </a:r>
+          </a:p>
+          <a:p>
+            <a:endParaRPr lang="en-US" altLang="zh-CN" sz="1400" dirty="0" smtClean="0">
+              <a:latin typeface="+mn-ea"/>
+            </a:endParaRPr>
+          </a:p>
+          <a:p>
+            <a:r>
+              <a:rPr lang="zh-CN" altLang="en-US" sz="1400" dirty="0" smtClean="0">
+                <a:latin typeface="+mn-ea"/>
+              </a:rPr>
+              <a:t>性能优化：</a:t>
+            </a:r>
+            <a:r>
+              <a:rPr lang="zh-CN" altLang="en-US" sz="1400" dirty="0" smtClean="0"/>
+              <a:t>在 </a:t>
+            </a:r>
+            <a:r>
+              <a:rPr lang="en-US" altLang="zh-CN" sz="1400" dirty="0"/>
+              <a:t>v1.14 </a:t>
+            </a:r>
+            <a:r>
+              <a:rPr lang="zh-CN" altLang="en-US" sz="1400" dirty="0"/>
+              <a:t>版本中，</a:t>
+            </a:r>
+            <a:r>
+              <a:rPr lang="en-US" altLang="zh-CN" sz="1400" dirty="0" err="1"/>
+              <a:t>kubectl</a:t>
+            </a:r>
+            <a:r>
+              <a:rPr lang="zh-CN" altLang="en-US" sz="1400" dirty="0"/>
+              <a:t>的顺序遍历行为终于改为了</a:t>
+            </a:r>
+            <a:r>
+              <a:rPr lang="zh-CN" altLang="en-US" sz="1400" dirty="0" smtClean="0"/>
+              <a:t>并行遍历</a:t>
+            </a:r>
+            <a:r>
+              <a:rPr lang="en-US" altLang="zh-CN" sz="1400" dirty="0" err="1"/>
+              <a:t>APIServer</a:t>
+            </a:r>
+            <a:r>
+              <a:rPr lang="en-US" altLang="zh-CN" sz="1400" dirty="0"/>
+              <a:t> </a:t>
+            </a:r>
+            <a:r>
+              <a:rPr lang="zh-CN" altLang="en-US" sz="1400" dirty="0"/>
+              <a:t>暴露出的全部资源的 </a:t>
+            </a:r>
+            <a:r>
+              <a:rPr lang="en-US" altLang="zh-CN" sz="1400" dirty="0"/>
+              <a:t>Group/Version/Kind</a:t>
+            </a:r>
+            <a:r>
+              <a:rPr lang="zh-CN" altLang="en-US" sz="1400" dirty="0" smtClean="0"/>
+              <a:t>，</a:t>
+            </a:r>
+            <a:r>
+              <a:rPr lang="zh-CN" altLang="en-US" sz="1400" dirty="0"/>
+              <a:t>极大地提升了 </a:t>
+            </a:r>
+            <a:r>
+              <a:rPr lang="en-US" altLang="zh-CN" sz="1400" dirty="0" err="1"/>
+              <a:t>kubectl</a:t>
+            </a:r>
+            <a:r>
+              <a:rPr lang="en-US" altLang="zh-CN" sz="1400" dirty="0"/>
+              <a:t> </a:t>
+            </a:r>
+            <a:r>
+              <a:rPr lang="zh-CN" altLang="en-US" sz="1400" dirty="0"/>
+              <a:t>的使用体验（经过测试，性能指标提升了 </a:t>
+            </a:r>
+            <a:r>
+              <a:rPr lang="en-US" altLang="zh-CN" sz="1400" dirty="0"/>
+              <a:t>10 </a:t>
+            </a:r>
+            <a:r>
+              <a:rPr lang="zh-CN" altLang="en-US" sz="1400" dirty="0"/>
+              <a:t>倍以上</a:t>
+            </a:r>
+            <a:r>
+              <a:rPr lang="zh-CN" altLang="en-US" sz="1400" dirty="0" smtClean="0"/>
+              <a:t>）</a:t>
+            </a:r>
+            <a:endParaRPr lang="en-US" altLang="zh-CN" sz="1400" dirty="0" smtClean="0"/>
+          </a:p>
+          <a:p>
+            <a:r>
+              <a:rPr lang="zh-CN" altLang="en-US" sz="1400" dirty="0"/>
+              <a:t>在 </a:t>
+            </a:r>
+            <a:r>
+              <a:rPr lang="en-US" altLang="zh-CN" sz="1400" dirty="0"/>
+              <a:t>1.14 </a:t>
+            </a:r>
+            <a:r>
+              <a:rPr lang="zh-CN" altLang="en-US" sz="1400" dirty="0"/>
+              <a:t>中，</a:t>
+            </a:r>
+            <a:r>
+              <a:rPr lang="en-US" altLang="zh-CN" sz="1400" dirty="0" err="1"/>
+              <a:t>APIServer</a:t>
+            </a:r>
+            <a:r>
+              <a:rPr lang="en-US" altLang="zh-CN" sz="1400" dirty="0"/>
+              <a:t> </a:t>
+            </a:r>
+            <a:r>
+              <a:rPr lang="zh-CN" altLang="en-US" sz="1400" dirty="0"/>
+              <a:t>里的一个重要变更，是对单次 </a:t>
+            </a:r>
+            <a:r>
+              <a:rPr lang="en-US" altLang="zh-CN" sz="1400" dirty="0"/>
+              <a:t>PATCH </a:t>
+            </a:r>
+            <a:r>
+              <a:rPr lang="zh-CN" altLang="en-US" sz="1400" dirty="0"/>
+              <a:t>请求内容里的操作个数做出了限制，不能超过 </a:t>
+            </a:r>
+            <a:r>
+              <a:rPr lang="en-US" altLang="zh-CN" sz="1400" dirty="0"/>
+              <a:t>10000</a:t>
+            </a:r>
+            <a:r>
+              <a:rPr lang="zh-CN" altLang="en-US" sz="1400" dirty="0"/>
+              <a:t>个，否则就不处理此请求。这样做的目的，是防止 </a:t>
+            </a:r>
+            <a:r>
+              <a:rPr lang="en-US" altLang="zh-CN" sz="1400" dirty="0" err="1"/>
+              <a:t>APIServer</a:t>
+            </a:r>
+            <a:r>
+              <a:rPr lang="en-US" altLang="zh-CN" sz="1400" dirty="0"/>
+              <a:t> </a:t>
+            </a:r>
+            <a:r>
+              <a:rPr lang="zh-CN" altLang="en-US" sz="1400" dirty="0"/>
+              <a:t>因为处理海量的甚至是恶意 </a:t>
+            </a:r>
+            <a:r>
+              <a:rPr lang="en-US" altLang="zh-CN" sz="1400" dirty="0"/>
+              <a:t>PATCH </a:t>
+            </a:r>
+            <a:r>
+              <a:rPr lang="zh-CN" altLang="en-US" sz="1400" dirty="0"/>
+              <a:t>请求导致整个集群</a:t>
+            </a:r>
+            <a:r>
+              <a:rPr lang="zh-CN" altLang="en-US" sz="1400" dirty="0" smtClean="0"/>
+              <a:t>瘫痪</a:t>
+            </a:r>
+            <a:endParaRPr lang="en-US" altLang="zh-CN" sz="1400" dirty="0">
+              <a:latin typeface="+mn-ea"/>
+            </a:endParaRPr>
+          </a:p>
+          <a:p>
+            <a:r>
+              <a:rPr lang="en-US" altLang="zh-CN" sz="1400" dirty="0" err="1"/>
+              <a:t>Kubernetes</a:t>
+            </a:r>
+            <a:r>
+              <a:rPr lang="en-US" altLang="zh-CN" sz="1400" dirty="0"/>
+              <a:t> </a:t>
+            </a:r>
+            <a:r>
+              <a:rPr lang="zh-CN" altLang="en-US" sz="1400" dirty="0"/>
+              <a:t>的 </a:t>
+            </a:r>
+            <a:r>
+              <a:rPr lang="en-US" altLang="zh-CN" sz="1400" dirty="0"/>
+              <a:t>Aggregated API </a:t>
+            </a:r>
+            <a:r>
+              <a:rPr lang="zh-CN" altLang="en-US" sz="1400" dirty="0"/>
+              <a:t>允许 </a:t>
+            </a:r>
+            <a:r>
+              <a:rPr lang="en-US" altLang="zh-CN" sz="1400" dirty="0"/>
+              <a:t>k8s </a:t>
+            </a:r>
+            <a:r>
+              <a:rPr lang="zh-CN" altLang="en-US" sz="1400" dirty="0"/>
+              <a:t>的开发人员编写一个自定义服务，并把这个服务注册到 </a:t>
+            </a:r>
+            <a:r>
+              <a:rPr lang="en-US" altLang="zh-CN" sz="1400" dirty="0"/>
+              <a:t>k8s </a:t>
+            </a:r>
+            <a:r>
+              <a:rPr lang="zh-CN" altLang="en-US" sz="1400" dirty="0"/>
+              <a:t>的 </a:t>
+            </a:r>
+            <a:r>
+              <a:rPr lang="en-US" altLang="zh-CN" sz="1400" dirty="0"/>
+              <a:t>API </a:t>
+            </a:r>
+            <a:r>
+              <a:rPr lang="zh-CN" altLang="en-US" sz="1400" dirty="0"/>
+              <a:t>里面像原生 </a:t>
+            </a:r>
+            <a:r>
+              <a:rPr lang="en-US" altLang="zh-CN" sz="1400" dirty="0"/>
+              <a:t>API </a:t>
+            </a:r>
+            <a:r>
+              <a:rPr lang="zh-CN" altLang="en-US" sz="1400" dirty="0"/>
+              <a:t>一样使用。在这个情况下，</a:t>
+            </a:r>
+            <a:r>
+              <a:rPr lang="en-US" altLang="zh-CN" sz="1400" dirty="0" err="1"/>
+              <a:t>APIServer</a:t>
+            </a:r>
+            <a:r>
+              <a:rPr lang="en-US" altLang="zh-CN" sz="1400" dirty="0"/>
+              <a:t> </a:t>
+            </a:r>
+            <a:r>
+              <a:rPr lang="zh-CN" altLang="en-US" sz="1400" dirty="0"/>
+              <a:t>需要将用户自定义 </a:t>
+            </a:r>
+            <a:r>
+              <a:rPr lang="en-US" altLang="zh-CN" sz="1400" dirty="0"/>
+              <a:t>API Spec </a:t>
+            </a:r>
+            <a:r>
+              <a:rPr lang="zh-CN" altLang="en-US" sz="1400" dirty="0"/>
+              <a:t>与原生的 </a:t>
+            </a:r>
+            <a:r>
+              <a:rPr lang="en-US" altLang="zh-CN" sz="1400" dirty="0"/>
+              <a:t>API Spec </a:t>
+            </a:r>
+            <a:r>
+              <a:rPr lang="zh-CN" altLang="en-US" sz="1400" dirty="0"/>
+              <a:t>归并起来，这是一个非常消耗</a:t>
+            </a:r>
+            <a:r>
+              <a:rPr lang="en-US" altLang="zh-CN" sz="1400" dirty="0"/>
+              <a:t>CPU </a:t>
+            </a:r>
+            <a:r>
+              <a:rPr lang="zh-CN" altLang="en-US" sz="1400" dirty="0"/>
+              <a:t>的性能痛点。而在</a:t>
+            </a:r>
+            <a:r>
+              <a:rPr lang="en-US" altLang="zh-CN" sz="1400" dirty="0"/>
+              <a:t>v1.14</a:t>
+            </a:r>
+            <a:r>
+              <a:rPr lang="zh-CN" altLang="en-US" sz="1400" dirty="0"/>
+              <a:t>中，社区大大优化了这个操作的速率，极大地提升了</a:t>
+            </a:r>
+            <a:r>
+              <a:rPr lang="en-US" altLang="zh-CN" sz="1400" dirty="0" err="1"/>
+              <a:t>APIServer</a:t>
+            </a:r>
+            <a:r>
+              <a:rPr lang="en-US" altLang="zh-CN" sz="1400" dirty="0"/>
+              <a:t> </a:t>
+            </a:r>
+            <a:r>
+              <a:rPr lang="zh-CN" altLang="en-US" sz="1400" dirty="0"/>
+              <a:t>归并 </a:t>
+            </a:r>
+            <a:r>
+              <a:rPr lang="en-US" altLang="zh-CN" sz="1400" dirty="0"/>
+              <a:t>Spec </a:t>
+            </a:r>
+            <a:r>
+              <a:rPr lang="zh-CN" altLang="en-US" sz="1400" dirty="0"/>
+              <a:t>的性能（提升了不止十倍）</a:t>
+            </a:r>
+            <a:endParaRPr lang="en-US" altLang="zh-CN" sz="1400" dirty="0">
+              <a:latin typeface="+mn-ea"/>
+            </a:endParaRPr>
+          </a:p>
+        </p:txBody>
+      </p:sp>
+      <p:sp>
+        <p:nvSpPr>
+          <p:cNvPr id="3" name="矩形 2"/>
+          <p:cNvSpPr/>
+          <p:nvPr/>
+        </p:nvSpPr>
+        <p:spPr>
+          <a:xfrm>
+            <a:off x="176009" y="6232979"/>
+            <a:ext cx="5307222" cy="369332"/>
+          </a:xfrm>
+          <a:prstGeom prst="rect">
+            <a:avLst/>
+          </a:prstGeom>
+        </p:spPr>
+        <p:txBody>
+          <a:bodyPr wrap="none">
+            <a:spAutoFit/>
+          </a:bodyPr>
+          <a:lstStyle/>
+          <a:p>
+            <a:r>
+              <a:rPr lang="zh-CN" altLang="en-US" dirty="0"/>
+              <a:t>https://mp.weixin.qq.com/s/uss8CoBZaHFYIjwyKkHltw</a:t>
+            </a:r>
+          </a:p>
+        </p:txBody>
+      </p:sp>
+    </p:spTree>
+    <p:extLst>
+      <p:ext uri="{BB962C8B-B14F-4D97-AF65-F5344CB8AC3E}">
+        <p14:creationId xmlns:p14="http://schemas.microsoft.com/office/powerpoint/2010/main" val="3575981189"/>
+      </p:ext>
+    </p:extLst>
+  </p:cSld>
+  <p:clrMapOvr>
+    <a:masterClrMapping/>
+  </p:clrMapOvr>
+</p:sld>
+</file>
+
+<file path=ppt/slides/slide14.xml><?xml version="1.0" encoding="utf-8"?>
+<p:sld xmlns:a="http://schemas.openxmlformats.org/drawingml/2006/main" xmlns:r="http://schemas.openxmlformats.org/officeDocument/2006/relationships" xmlns:p="http://schemas.openxmlformats.org/presentationml/2006/main">
+  <p:cSld>
+    <p:spTree>
+      <p:nvGrpSpPr>
+        <p:cNvPr id="1" name=""/>
+        <p:cNvGrpSpPr/>
+        <p:nvPr/>
+      </p:nvGrpSpPr>
+      <p:grpSpPr>
+        <a:xfrm>
+          <a:off x="0" y="0"/>
+          <a:ext cx="0" cy="0"/>
+          <a:chOff x="0" y="0"/>
+          <a:chExt cx="0" cy="0"/>
+        </a:xfrm>
+      </p:grpSpPr>
+    </p:spTree>
+    <p:extLst>
+      <p:ext uri="{BB962C8B-B14F-4D97-AF65-F5344CB8AC3E}">
+        <p14:creationId xmlns:p14="http://schemas.microsoft.com/office/powerpoint/2010/main" val="3093192534"/>
+      </p:ext>
+    </p:extLst>
+  </p:cSld>
+  <p:clrMapOvr>
+    <a:masterClrMapping/>
+  </p:clrMapOvr>
+</p:sld>
+</file>
+
+<file path=ppt/slides/slide15.xml><?xml version="1.0" encoding="utf-8"?>
+<p:sld xmlns:a="http://schemas.openxmlformats.org/drawingml/2006/main" xmlns:r="http://schemas.openxmlformats.org/officeDocument/2006/relationships" xmlns:p="http://schemas.openxmlformats.org/presentationml/2006/main">
+  <p:cSld>
+    <p:spTree>
+      <p:nvGrpSpPr>
+        <p:cNvPr id="1" name=""/>
+        <p:cNvGrpSpPr/>
+        <p:nvPr/>
+      </p:nvGrpSpPr>
+      <p:grpSpPr>
+        <a:xfrm>
+          <a:off x="0" y="0"/>
+          <a:ext cx="0" cy="0"/>
+          <a:chOff x="0" y="0"/>
+          <a:chExt cx="0" cy="0"/>
+        </a:xfrm>
+      </p:grpSpPr>
+    </p:spTree>
+    <p:extLst>
+      <p:ext uri="{BB962C8B-B14F-4D97-AF65-F5344CB8AC3E}">
+        <p14:creationId xmlns:p14="http://schemas.microsoft.com/office/powerpoint/2010/main" val="208284438"/>
       </p:ext>
     </p:extLst>
   </p:cSld>

--- a/微信文档摘录.pptx
+++ b/微信文档摘录.pptx
@@ -18,8 +18,6 @@
     <p:sldId id="267" r:id="rId12"/>
     <p:sldId id="263" r:id="rId13"/>
     <p:sldId id="268" r:id="rId14"/>
-    <p:sldId id="269" r:id="rId15"/>
-    <p:sldId id="270" r:id="rId16"/>
   </p:sldIdLst>
   <p:sldSz cx="12192000" cy="6858000"/>
   <p:notesSz cx="6858000" cy="9144000"/>
@@ -257,7 +255,7 @@
           <a:p>
             <a:fld id="{694B314B-B68B-4379-BBD8-981150E999B1}" type="datetimeFigureOut">
               <a:rPr lang="zh-CN" altLang="en-US" smtClean="0"/>
-              <a:t>2019/3/28</a:t>
+              <a:t>2019/4/10</a:t>
             </a:fld>
             <a:endParaRPr lang="zh-CN" altLang="en-US"/>
           </a:p>
@@ -427,7 +425,7 @@
           <a:p>
             <a:fld id="{694B314B-B68B-4379-BBD8-981150E999B1}" type="datetimeFigureOut">
               <a:rPr lang="zh-CN" altLang="en-US" smtClean="0"/>
-              <a:t>2019/3/28</a:t>
+              <a:t>2019/4/10</a:t>
             </a:fld>
             <a:endParaRPr lang="zh-CN" altLang="en-US"/>
           </a:p>
@@ -607,7 +605,7 @@
           <a:p>
             <a:fld id="{694B314B-B68B-4379-BBD8-981150E999B1}" type="datetimeFigureOut">
               <a:rPr lang="zh-CN" altLang="en-US" smtClean="0"/>
-              <a:t>2019/3/28</a:t>
+              <a:t>2019/4/10</a:t>
             </a:fld>
             <a:endParaRPr lang="zh-CN" altLang="en-US"/>
           </a:p>
@@ -777,7 +775,7 @@
           <a:p>
             <a:fld id="{694B314B-B68B-4379-BBD8-981150E999B1}" type="datetimeFigureOut">
               <a:rPr lang="zh-CN" altLang="en-US" smtClean="0"/>
-              <a:t>2019/3/28</a:t>
+              <a:t>2019/4/10</a:t>
             </a:fld>
             <a:endParaRPr lang="zh-CN" altLang="en-US"/>
           </a:p>
@@ -1023,7 +1021,7 @@
           <a:p>
             <a:fld id="{694B314B-B68B-4379-BBD8-981150E999B1}" type="datetimeFigureOut">
               <a:rPr lang="zh-CN" altLang="en-US" smtClean="0"/>
-              <a:t>2019/3/28</a:t>
+              <a:t>2019/4/10</a:t>
             </a:fld>
             <a:endParaRPr lang="zh-CN" altLang="en-US"/>
           </a:p>
@@ -1255,7 +1253,7 @@
           <a:p>
             <a:fld id="{694B314B-B68B-4379-BBD8-981150E999B1}" type="datetimeFigureOut">
               <a:rPr lang="zh-CN" altLang="en-US" smtClean="0"/>
-              <a:t>2019/3/28</a:t>
+              <a:t>2019/4/10</a:t>
             </a:fld>
             <a:endParaRPr lang="zh-CN" altLang="en-US"/>
           </a:p>
@@ -1622,7 +1620,7 @@
           <a:p>
             <a:fld id="{694B314B-B68B-4379-BBD8-981150E999B1}" type="datetimeFigureOut">
               <a:rPr lang="zh-CN" altLang="en-US" smtClean="0"/>
-              <a:t>2019/3/28</a:t>
+              <a:t>2019/4/10</a:t>
             </a:fld>
             <a:endParaRPr lang="zh-CN" altLang="en-US"/>
           </a:p>
@@ -1740,7 +1738,7 @@
           <a:p>
             <a:fld id="{694B314B-B68B-4379-BBD8-981150E999B1}" type="datetimeFigureOut">
               <a:rPr lang="zh-CN" altLang="en-US" smtClean="0"/>
-              <a:t>2019/3/28</a:t>
+              <a:t>2019/4/10</a:t>
             </a:fld>
             <a:endParaRPr lang="zh-CN" altLang="en-US"/>
           </a:p>
@@ -1835,7 +1833,7 @@
           <a:p>
             <a:fld id="{694B314B-B68B-4379-BBD8-981150E999B1}" type="datetimeFigureOut">
               <a:rPr lang="zh-CN" altLang="en-US" smtClean="0"/>
-              <a:t>2019/3/28</a:t>
+              <a:t>2019/4/10</a:t>
             </a:fld>
             <a:endParaRPr lang="zh-CN" altLang="en-US"/>
           </a:p>
@@ -2112,7 +2110,7 @@
           <a:p>
             <a:fld id="{694B314B-B68B-4379-BBD8-981150E999B1}" type="datetimeFigureOut">
               <a:rPr lang="zh-CN" altLang="en-US" smtClean="0"/>
-              <a:t>2019/3/28</a:t>
+              <a:t>2019/4/10</a:t>
             </a:fld>
             <a:endParaRPr lang="zh-CN" altLang="en-US"/>
           </a:p>
@@ -2365,7 +2363,7 @@
           <a:p>
             <a:fld id="{694B314B-B68B-4379-BBD8-981150E999B1}" type="datetimeFigureOut">
               <a:rPr lang="zh-CN" altLang="en-US" smtClean="0"/>
-              <a:t>2019/3/28</a:t>
+              <a:t>2019/4/10</a:t>
             </a:fld>
             <a:endParaRPr lang="zh-CN" altLang="en-US"/>
           </a:p>
@@ -2578,7 +2576,7 @@
           <a:p>
             <a:fld id="{694B314B-B68B-4379-BBD8-981150E999B1}" type="datetimeFigureOut">
               <a:rPr lang="zh-CN" altLang="en-US" smtClean="0"/>
-              <a:t>2019/3/28</a:t>
+              <a:t>2019/4/10</a:t>
             </a:fld>
             <a:endParaRPr lang="zh-CN" altLang="en-US"/>
           </a:p>
@@ -8361,66 +8359,6 @@
     <p:extLst>
       <p:ext uri="{BB962C8B-B14F-4D97-AF65-F5344CB8AC3E}">
         <p14:creationId xmlns:p14="http://schemas.microsoft.com/office/powerpoint/2010/main" val="3575981189"/>
-      </p:ext>
-    </p:extLst>
-  </p:cSld>
-  <p:clrMapOvr>
-    <a:masterClrMapping/>
-  </p:clrMapOvr>
-</p:sld>
-</file>
-
-<file path=ppt/slides/slide14.xml><?xml version="1.0" encoding="utf-8"?>
-<p:sld xmlns:a="http://schemas.openxmlformats.org/drawingml/2006/main" xmlns:r="http://schemas.openxmlformats.org/officeDocument/2006/relationships" xmlns:p="http://schemas.openxmlformats.org/presentationml/2006/main">
-  <p:cSld>
-    <p:spTree>
-      <p:nvGrpSpPr>
-        <p:cNvPr id="1" name=""/>
-        <p:cNvGrpSpPr/>
-        <p:nvPr/>
-      </p:nvGrpSpPr>
-      <p:grpSpPr>
-        <a:xfrm>
-          <a:off x="0" y="0"/>
-          <a:ext cx="0" cy="0"/>
-          <a:chOff x="0" y="0"/>
-          <a:chExt cx="0" cy="0"/>
-        </a:xfrm>
-      </p:grpSpPr>
-    </p:spTree>
-    <p:extLst>
-      <p:ext uri="{BB962C8B-B14F-4D97-AF65-F5344CB8AC3E}">
-        <p14:creationId xmlns:p14="http://schemas.microsoft.com/office/powerpoint/2010/main" val="3093192534"/>
-      </p:ext>
-    </p:extLst>
-  </p:cSld>
-  <p:clrMapOvr>
-    <a:masterClrMapping/>
-  </p:clrMapOvr>
-</p:sld>
-</file>
-
-<file path=ppt/slides/slide15.xml><?xml version="1.0" encoding="utf-8"?>
-<p:sld xmlns:a="http://schemas.openxmlformats.org/drawingml/2006/main" xmlns:r="http://schemas.openxmlformats.org/officeDocument/2006/relationships" xmlns:p="http://schemas.openxmlformats.org/presentationml/2006/main">
-  <p:cSld>
-    <p:spTree>
-      <p:nvGrpSpPr>
-        <p:cNvPr id="1" name=""/>
-        <p:cNvGrpSpPr/>
-        <p:nvPr/>
-      </p:nvGrpSpPr>
-      <p:grpSpPr>
-        <a:xfrm>
-          <a:off x="0" y="0"/>
-          <a:ext cx="0" cy="0"/>
-          <a:chOff x="0" y="0"/>
-          <a:chExt cx="0" cy="0"/>
-        </a:xfrm>
-      </p:grpSpPr>
-    </p:spTree>
-    <p:extLst>
-      <p:ext uri="{BB962C8B-B14F-4D97-AF65-F5344CB8AC3E}">
-        <p14:creationId xmlns:p14="http://schemas.microsoft.com/office/powerpoint/2010/main" val="208284438"/>
       </p:ext>
     </p:extLst>
   </p:cSld>
